--- a/Tesis/Presentaciones/ACA2017_InferenciaProbabilisticaBayesiana.pptx
+++ b/Tesis/Presentaciones/ACA2017_InferenciaProbabilisticaBayesiana.pptx
@@ -5,7 +5,7 @@
     <p:sldMasterId id="2147483648" r:id="rId1"/>
   </p:sldMasterIdLst>
   <p:notesMasterIdLst>
-    <p:notesMasterId r:id="rId38"/>
+    <p:notesMasterId r:id="rId35"/>
   </p:notesMasterIdLst>
   <p:sldIdLst>
     <p:sldId id="256" r:id="rId2"/>
@@ -14,36 +14,33 @@
     <p:sldId id="274" r:id="rId5"/>
     <p:sldId id="257" r:id="rId6"/>
     <p:sldId id="267" r:id="rId7"/>
-    <p:sldId id="262" r:id="rId8"/>
-    <p:sldId id="265" r:id="rId9"/>
-    <p:sldId id="275" r:id="rId10"/>
-    <p:sldId id="277" r:id="rId11"/>
-    <p:sldId id="276" r:id="rId12"/>
-    <p:sldId id="259" r:id="rId13"/>
-    <p:sldId id="260" r:id="rId14"/>
-    <p:sldId id="287" r:id="rId15"/>
-    <p:sldId id="289" r:id="rId16"/>
-    <p:sldId id="290" r:id="rId17"/>
-    <p:sldId id="291" r:id="rId18"/>
-    <p:sldId id="292" r:id="rId19"/>
-    <p:sldId id="293" r:id="rId20"/>
-    <p:sldId id="294" r:id="rId21"/>
-    <p:sldId id="261" r:id="rId22"/>
-    <p:sldId id="270" r:id="rId23"/>
-    <p:sldId id="271" r:id="rId24"/>
-    <p:sldId id="278" r:id="rId25"/>
-    <p:sldId id="295" r:id="rId26"/>
-    <p:sldId id="286" r:id="rId27"/>
-    <p:sldId id="272" r:id="rId28"/>
-    <p:sldId id="273" r:id="rId29"/>
-    <p:sldId id="279" r:id="rId30"/>
-    <p:sldId id="281" r:id="rId31"/>
-    <p:sldId id="284" r:id="rId32"/>
-    <p:sldId id="285" r:id="rId33"/>
-    <p:sldId id="297" r:id="rId34"/>
-    <p:sldId id="283" r:id="rId35"/>
-    <p:sldId id="296" r:id="rId36"/>
-    <p:sldId id="298" r:id="rId37"/>
+    <p:sldId id="275" r:id="rId8"/>
+    <p:sldId id="277" r:id="rId9"/>
+    <p:sldId id="276" r:id="rId10"/>
+    <p:sldId id="259" r:id="rId11"/>
+    <p:sldId id="260" r:id="rId12"/>
+    <p:sldId id="287" r:id="rId13"/>
+    <p:sldId id="289" r:id="rId14"/>
+    <p:sldId id="290" r:id="rId15"/>
+    <p:sldId id="291" r:id="rId16"/>
+    <p:sldId id="292" r:id="rId17"/>
+    <p:sldId id="293" r:id="rId18"/>
+    <p:sldId id="294" r:id="rId19"/>
+    <p:sldId id="261" r:id="rId20"/>
+    <p:sldId id="270" r:id="rId21"/>
+    <p:sldId id="271" r:id="rId22"/>
+    <p:sldId id="278" r:id="rId23"/>
+    <p:sldId id="295" r:id="rId24"/>
+    <p:sldId id="286" r:id="rId25"/>
+    <p:sldId id="272" r:id="rId26"/>
+    <p:sldId id="273" r:id="rId27"/>
+    <p:sldId id="279" r:id="rId28"/>
+    <p:sldId id="283" r:id="rId29"/>
+    <p:sldId id="281" r:id="rId30"/>
+    <p:sldId id="284" r:id="rId31"/>
+    <p:sldId id="285" r:id="rId32"/>
+    <p:sldId id="296" r:id="rId33"/>
+    <p:sldId id="298" r:id="rId34"/>
   </p:sldIdLst>
   <p:sldSz cx="12192000" cy="6858000"/>
   <p:notesSz cx="6858000" cy="9144000"/>
@@ -144,7 +141,7 @@
   </p:defaultTextStyle>
   <p:extLst>
     <p:ext uri="{EFAFB233-063F-42B5-8137-9DF3F51BA10A}">
-      <p15:sldGuideLst xmlns:p15="http://schemas.microsoft.com/office/powerpoint/2012/main" xmlns="">
+      <p15:sldGuideLst xmlns="" xmlns:p15="http://schemas.microsoft.com/office/powerpoint/2012/main">
         <p15:guide id="1" orient="horz" pos="2160" userDrawn="1">
           <p15:clr>
             <a:srgbClr val="A4A3A4"/>
@@ -243,7 +240,7 @@
           <a:p>
             <a:fld id="{7DEF6970-D186-49AA-A9AD-29EC23CF1F6B}" type="datetimeFigureOut">
               <a:rPr lang="es-MX" smtClean="0"/>
-              <a:t>28/03/2017</a:t>
+              <a:t>31/03/2017</a:t>
             </a:fld>
             <a:endParaRPr lang="es-MX"/>
           </a:p>
@@ -599,94 +596,6 @@
 </p:notes>
 </file>
 
-<file path=ppt/notesSlides/notesSlide2.xml><?xml version="1.0" encoding="utf-8"?>
-<p:notes xmlns:a="http://schemas.openxmlformats.org/drawingml/2006/main" xmlns:r="http://schemas.openxmlformats.org/officeDocument/2006/relationships" xmlns:p="http://schemas.openxmlformats.org/presentationml/2006/main">
-  <p:cSld>
-    <p:spTree>
-      <p:nvGrpSpPr>
-        <p:cNvPr id="1" name=""/>
-        <p:cNvGrpSpPr/>
-        <p:nvPr/>
-      </p:nvGrpSpPr>
-      <p:grpSpPr>
-        <a:xfrm>
-          <a:off x="0" y="0"/>
-          <a:ext cx="0" cy="0"/>
-          <a:chOff x="0" y="0"/>
-          <a:chExt cx="0" cy="0"/>
-        </a:xfrm>
-      </p:grpSpPr>
-      <p:sp>
-        <p:nvSpPr>
-          <p:cNvPr id="2" name="Marcador de imagen de diapositiva 1"/>
-          <p:cNvSpPr>
-            <a:spLocks noGrp="1" noRot="1" noChangeAspect="1"/>
-          </p:cNvSpPr>
-          <p:nvPr>
-            <p:ph type="sldImg"/>
-          </p:nvPr>
-        </p:nvSpPr>
-        <p:spPr/>
-      </p:sp>
-      <p:sp>
-        <p:nvSpPr>
-          <p:cNvPr id="3" name="Marcador de notas 2"/>
-          <p:cNvSpPr>
-            <a:spLocks noGrp="1"/>
-          </p:cNvSpPr>
-          <p:nvPr>
-            <p:ph type="body" idx="1"/>
-          </p:nvPr>
-        </p:nvSpPr>
-        <p:spPr/>
-        <p:txBody>
-          <a:bodyPr/>
-          <a:lstStyle/>
-          <a:p>
-            <a:r>
-              <a:rPr lang="es-MX" dirty="0" smtClean="0"/>
-              <a:t>http://students.brown.edu/seeing-theory/basic-probability/index.html#first</a:t>
-            </a:r>
-            <a:endParaRPr lang="es-MX" dirty="0"/>
-          </a:p>
-        </p:txBody>
-      </p:sp>
-      <p:sp>
-        <p:nvSpPr>
-          <p:cNvPr id="4" name="Marcador de número de diapositiva 3"/>
-          <p:cNvSpPr>
-            <a:spLocks noGrp="1"/>
-          </p:cNvSpPr>
-          <p:nvPr>
-            <p:ph type="sldNum" sz="quarter" idx="10"/>
-          </p:nvPr>
-        </p:nvSpPr>
-        <p:spPr/>
-        <p:txBody>
-          <a:bodyPr/>
-          <a:lstStyle/>
-          <a:p>
-            <a:fld id="{FCF291CE-1AA8-4088-B095-B807450AF6BD}" type="slidenum">
-              <a:rPr lang="es-MX" smtClean="0"/>
-              <a:t>7</a:t>
-            </a:fld>
-            <a:endParaRPr lang="es-MX"/>
-          </a:p>
-        </p:txBody>
-      </p:sp>
-    </p:spTree>
-    <p:extLst>
-      <p:ext uri="{BB962C8B-B14F-4D97-AF65-F5344CB8AC3E}">
-        <p14:creationId xmlns:p14="http://schemas.microsoft.com/office/powerpoint/2010/main" val="546879531"/>
-      </p:ext>
-    </p:extLst>
-  </p:cSld>
-  <p:clrMapOvr>
-    <a:masterClrMapping/>
-  </p:clrMapOvr>
-</p:notes>
-</file>
-
 <file path=ppt/slideLayouts/slideLayout1.xml><?xml version="1.0" encoding="utf-8"?>
 <p:sldLayout xmlns:a="http://schemas.openxmlformats.org/drawingml/2006/main" xmlns:r="http://schemas.openxmlformats.org/officeDocument/2006/relationships" xmlns:p="http://schemas.openxmlformats.org/presentationml/2006/main" type="title" preserve="1">
   <p:cSld name="Diapositiva de título">
@@ -818,7 +727,7 @@
           <a:p>
             <a:fld id="{2819CCF9-04DA-4DB1-9641-16B4E70840FB}" type="datetimeFigureOut">
               <a:rPr lang="es-MX" smtClean="0"/>
-              <a:t>28/03/2017</a:t>
+              <a:t>31/03/2017</a:t>
             </a:fld>
             <a:endParaRPr lang="es-MX"/>
           </a:p>
@@ -988,7 +897,7 @@
           <a:p>
             <a:fld id="{2819CCF9-04DA-4DB1-9641-16B4E70840FB}" type="datetimeFigureOut">
               <a:rPr lang="es-MX" smtClean="0"/>
-              <a:t>28/03/2017</a:t>
+              <a:t>31/03/2017</a:t>
             </a:fld>
             <a:endParaRPr lang="es-MX"/>
           </a:p>
@@ -1168,7 +1077,7 @@
           <a:p>
             <a:fld id="{2819CCF9-04DA-4DB1-9641-16B4E70840FB}" type="datetimeFigureOut">
               <a:rPr lang="es-MX" smtClean="0"/>
-              <a:t>28/03/2017</a:t>
+              <a:t>31/03/2017</a:t>
             </a:fld>
             <a:endParaRPr lang="es-MX"/>
           </a:p>
@@ -1338,7 +1247,7 @@
           <a:p>
             <a:fld id="{2819CCF9-04DA-4DB1-9641-16B4E70840FB}" type="datetimeFigureOut">
               <a:rPr lang="es-MX" smtClean="0"/>
-              <a:t>28/03/2017</a:t>
+              <a:t>31/03/2017</a:t>
             </a:fld>
             <a:endParaRPr lang="es-MX"/>
           </a:p>
@@ -1584,7 +1493,7 @@
           <a:p>
             <a:fld id="{2819CCF9-04DA-4DB1-9641-16B4E70840FB}" type="datetimeFigureOut">
               <a:rPr lang="es-MX" smtClean="0"/>
-              <a:t>28/03/2017</a:t>
+              <a:t>31/03/2017</a:t>
             </a:fld>
             <a:endParaRPr lang="es-MX"/>
           </a:p>
@@ -1816,7 +1725,7 @@
           <a:p>
             <a:fld id="{2819CCF9-04DA-4DB1-9641-16B4E70840FB}" type="datetimeFigureOut">
               <a:rPr lang="es-MX" smtClean="0"/>
-              <a:t>28/03/2017</a:t>
+              <a:t>31/03/2017</a:t>
             </a:fld>
             <a:endParaRPr lang="es-MX"/>
           </a:p>
@@ -2183,7 +2092,7 @@
           <a:p>
             <a:fld id="{2819CCF9-04DA-4DB1-9641-16B4E70840FB}" type="datetimeFigureOut">
               <a:rPr lang="es-MX" smtClean="0"/>
-              <a:t>28/03/2017</a:t>
+              <a:t>31/03/2017</a:t>
             </a:fld>
             <a:endParaRPr lang="es-MX"/>
           </a:p>
@@ -2301,7 +2210,7 @@
           <a:p>
             <a:fld id="{2819CCF9-04DA-4DB1-9641-16B4E70840FB}" type="datetimeFigureOut">
               <a:rPr lang="es-MX" smtClean="0"/>
-              <a:t>28/03/2017</a:t>
+              <a:t>31/03/2017</a:t>
             </a:fld>
             <a:endParaRPr lang="es-MX"/>
           </a:p>
@@ -2396,7 +2305,7 @@
           <a:p>
             <a:fld id="{2819CCF9-04DA-4DB1-9641-16B4E70840FB}" type="datetimeFigureOut">
               <a:rPr lang="es-MX" smtClean="0"/>
-              <a:t>28/03/2017</a:t>
+              <a:t>31/03/2017</a:t>
             </a:fld>
             <a:endParaRPr lang="es-MX"/>
           </a:p>
@@ -2673,7 +2582,7 @@
           <a:p>
             <a:fld id="{2819CCF9-04DA-4DB1-9641-16B4E70840FB}" type="datetimeFigureOut">
               <a:rPr lang="es-MX" smtClean="0"/>
-              <a:t>28/03/2017</a:t>
+              <a:t>31/03/2017</a:t>
             </a:fld>
             <a:endParaRPr lang="es-MX"/>
           </a:p>
@@ -2926,7 +2835,7 @@
           <a:p>
             <a:fld id="{2819CCF9-04DA-4DB1-9641-16B4E70840FB}" type="datetimeFigureOut">
               <a:rPr lang="es-MX" smtClean="0"/>
-              <a:t>28/03/2017</a:t>
+              <a:t>31/03/2017</a:t>
             </a:fld>
             <a:endParaRPr lang="es-MX"/>
           </a:p>
@@ -3139,7 +3048,7 @@
           <a:p>
             <a:fld id="{2819CCF9-04DA-4DB1-9641-16B4E70840FB}" type="datetimeFigureOut">
               <a:rPr lang="es-MX" smtClean="0"/>
-              <a:t>28/03/2017</a:t>
+              <a:t>31/03/2017</a:t>
             </a:fld>
             <a:endParaRPr lang="es-MX"/>
           </a:p>
@@ -3694,442 +3603,6 @@
       </p:grpSpPr>
       <p:sp>
         <p:nvSpPr>
-          <p:cNvPr id="7" name="Título 6"/>
-          <p:cNvSpPr>
-            <a:spLocks noGrp="1"/>
-          </p:cNvSpPr>
-          <p:nvPr>
-            <p:ph type="title"/>
-          </p:nvPr>
-        </p:nvSpPr>
-        <p:spPr/>
-        <p:txBody>
-          <a:bodyPr/>
-          <a:lstStyle/>
-          <a:p>
-            <a:r>
-              <a:rPr lang="es-MX" dirty="0" smtClean="0"/>
-              <a:t>¿Qué tan probable es…</a:t>
-            </a:r>
-            <a:endParaRPr lang="es-MX" dirty="0"/>
-          </a:p>
-        </p:txBody>
-      </p:sp>
-      <p:sp>
-        <p:nvSpPr>
-          <p:cNvPr id="2" name="Marcador de contenido 1"/>
-          <p:cNvSpPr>
-            <a:spLocks noGrp="1"/>
-          </p:cNvSpPr>
-          <p:nvPr>
-            <p:ph idx="1"/>
-          </p:nvPr>
-        </p:nvSpPr>
-        <p:spPr/>
-        <p:txBody>
-          <a:bodyPr/>
-          <a:lstStyle/>
-          <a:p>
-            <a:pPr marL="0" indent="0" algn="r">
-              <a:buNone/>
-            </a:pPr>
-            <a:r>
-              <a:rPr lang="es-MX" dirty="0" smtClean="0"/>
-              <a:t>… que un individuo X sea zurdo?</a:t>
-            </a:r>
-          </a:p>
-          <a:p>
-            <a:pPr marL="0" indent="0" algn="r">
-              <a:buNone/>
-            </a:pPr>
-            <a:endParaRPr lang="es-MX" dirty="0"/>
-          </a:p>
-          <a:p>
-            <a:pPr marL="0" indent="0" algn="r">
-              <a:buNone/>
-            </a:pPr>
-            <a:endParaRPr lang="es-MX" dirty="0" smtClean="0"/>
-          </a:p>
-          <a:p>
-            <a:pPr marL="0" indent="0" algn="r">
-              <a:buNone/>
-            </a:pPr>
-            <a:endParaRPr lang="es-MX" dirty="0"/>
-          </a:p>
-          <a:p>
-            <a:pPr marL="0" indent="0" algn="r">
-              <a:buNone/>
-            </a:pPr>
-            <a:endParaRPr lang="es-MX" dirty="0"/>
-          </a:p>
-        </p:txBody>
-      </p:sp>
-    </p:spTree>
-    <p:extLst>
-      <p:ext uri="{BB962C8B-B14F-4D97-AF65-F5344CB8AC3E}">
-        <p14:creationId xmlns:p14="http://schemas.microsoft.com/office/powerpoint/2010/main" val="2150416278"/>
-      </p:ext>
-    </p:extLst>
-  </p:cSld>
-  <p:clrMapOvr>
-    <a:masterClrMapping/>
-  </p:clrMapOvr>
-  <p:timing>
-    <p:tnLst>
-      <p:par>
-        <p:cTn id="1" dur="indefinite" restart="never" nodeType="tmRoot"/>
-      </p:par>
-    </p:tnLst>
-  </p:timing>
-</p:sld>
-</file>
-
-<file path=ppt/slides/slide11.xml><?xml version="1.0" encoding="utf-8"?>
-<p:sld xmlns:a="http://schemas.openxmlformats.org/drawingml/2006/main" xmlns:r="http://schemas.openxmlformats.org/officeDocument/2006/relationships" xmlns:p="http://schemas.openxmlformats.org/presentationml/2006/main">
-  <p:cSld>
-    <p:spTree>
-      <p:nvGrpSpPr>
-        <p:cNvPr id="1" name=""/>
-        <p:cNvGrpSpPr/>
-        <p:nvPr/>
-      </p:nvGrpSpPr>
-      <p:grpSpPr>
-        <a:xfrm>
-          <a:off x="0" y="0"/>
-          <a:ext cx="0" cy="0"/>
-          <a:chOff x="0" y="0"/>
-          <a:chExt cx="0" cy="0"/>
-        </a:xfrm>
-      </p:grpSpPr>
-      <p:sp>
-        <p:nvSpPr>
-          <p:cNvPr id="9" name="Rectángulo 8"/>
-          <p:cNvSpPr/>
-          <p:nvPr/>
-        </p:nvSpPr>
-        <p:spPr>
-          <a:xfrm>
-            <a:off x="1820174" y="3856009"/>
-            <a:ext cx="2631056" cy="1992702"/>
-          </a:xfrm>
-          <a:prstGeom prst="rect">
-            <a:avLst/>
-          </a:prstGeom>
-        </p:spPr>
-        <p:style>
-          <a:lnRef idx="2">
-            <a:schemeClr val="accent1">
-              <a:shade val="50000"/>
-            </a:schemeClr>
-          </a:lnRef>
-          <a:fillRef idx="1">
-            <a:schemeClr val="accent1"/>
-          </a:fillRef>
-          <a:effectRef idx="0">
-            <a:schemeClr val="accent1"/>
-          </a:effectRef>
-          <a:fontRef idx="minor">
-            <a:schemeClr val="lt1"/>
-          </a:fontRef>
-        </p:style>
-        <p:txBody>
-          <a:bodyPr rtlCol="0" anchor="ctr"/>
-          <a:lstStyle/>
-          <a:p>
-            <a:pPr algn="ctr"/>
-            <a:endParaRPr lang="es-MX"/>
-          </a:p>
-        </p:txBody>
-      </p:sp>
-      <p:sp>
-        <p:nvSpPr>
-          <p:cNvPr id="7" name="Título 6"/>
-          <p:cNvSpPr>
-            <a:spLocks noGrp="1"/>
-          </p:cNvSpPr>
-          <p:nvPr>
-            <p:ph type="title"/>
-          </p:nvPr>
-        </p:nvSpPr>
-        <p:spPr/>
-        <p:txBody>
-          <a:bodyPr/>
-          <a:lstStyle/>
-          <a:p>
-            <a:r>
-              <a:rPr lang="es-MX" dirty="0" smtClean="0"/>
-              <a:t>¿Qué tan probable es…?</a:t>
-            </a:r>
-            <a:endParaRPr lang="es-MX" dirty="0"/>
-          </a:p>
-        </p:txBody>
-      </p:sp>
-      <p:pic>
-        <p:nvPicPr>
-          <p:cNvPr id="1026" name="Picture 2" descr="Imagen relacionada"/>
-          <p:cNvPicPr>
-            <a:picLocks noGrp="1" noChangeAspect="1" noChangeArrowheads="1"/>
-          </p:cNvPicPr>
-          <p:nvPr>
-            <p:ph idx="1"/>
-          </p:nvPr>
-        </p:nvPicPr>
-        <p:blipFill>
-          <a:blip r:embed="rId2" cstate="print">
-            <a:extLst>
-              <a:ext uri="{28A0092B-C50C-407E-A947-70E740481C1C}">
-                <a14:useLocalDpi xmlns:a14="http://schemas.microsoft.com/office/drawing/2010/main" val="0"/>
-              </a:ext>
-            </a:extLst>
-          </a:blip>
-          <a:srcRect/>
-          <a:stretch>
-            <a:fillRect/>
-          </a:stretch>
-        </p:blipFill>
-        <p:spPr bwMode="auto">
-          <a:xfrm>
-            <a:off x="1319091" y="1860132"/>
-            <a:ext cx="2273121" cy="4351338"/>
-          </a:xfrm>
-          <a:prstGeom prst="rect">
-            <a:avLst/>
-          </a:prstGeom>
-          <a:noFill/>
-          <a:extLst>
-            <a:ext uri="{909E8E84-426E-40DD-AFC4-6F175D3DCCD1}">
-              <a14:hiddenFill xmlns:a14="http://schemas.microsoft.com/office/drawing/2010/main">
-                <a:solidFill>
-                  <a:srgbClr val="FFFFFF"/>
-                </a:solidFill>
-              </a14:hiddenFill>
-            </a:ext>
-          </a:extLst>
-        </p:spPr>
-      </p:pic>
-      <p:pic>
-        <p:nvPicPr>
-          <p:cNvPr id="12" name="Picture 2" descr="Resultado de imagen para chico escuela"/>
-          <p:cNvPicPr>
-            <a:picLocks noChangeAspect="1" noChangeArrowheads="1"/>
-          </p:cNvPicPr>
-          <p:nvPr/>
-        </p:nvPicPr>
-        <p:blipFill>
-          <a:blip r:embed="rId3" cstate="print">
-            <a:extLst>
-              <a:ext uri="{28A0092B-C50C-407E-A947-70E740481C1C}">
-                <a14:useLocalDpi xmlns:a14="http://schemas.microsoft.com/office/drawing/2010/main" val="0"/>
-              </a:ext>
-            </a:extLst>
-          </a:blip>
-          <a:srcRect/>
-          <a:stretch>
-            <a:fillRect/>
-          </a:stretch>
-        </p:blipFill>
-        <p:spPr bwMode="auto">
-          <a:xfrm>
-            <a:off x="7686435" y="1860132"/>
-            <a:ext cx="2587626" cy="3884427"/>
-          </a:xfrm>
-          <a:prstGeom prst="rect">
-            <a:avLst/>
-          </a:prstGeom>
-          <a:noFill/>
-          <a:extLst>
-            <a:ext uri="{909E8E84-426E-40DD-AFC4-6F175D3DCCD1}">
-              <a14:hiddenFill xmlns:a14="http://schemas.microsoft.com/office/drawing/2010/main">
-                <a:solidFill>
-                  <a:srgbClr val="FFFFFF"/>
-                </a:solidFill>
-              </a14:hiddenFill>
-            </a:ext>
-          </a:extLst>
-        </p:spPr>
-      </p:pic>
-    </p:spTree>
-    <p:extLst>
-      <p:ext uri="{BB962C8B-B14F-4D97-AF65-F5344CB8AC3E}">
-        <p14:creationId xmlns:p14="http://schemas.microsoft.com/office/powerpoint/2010/main" val="2333215368"/>
-      </p:ext>
-    </p:extLst>
-  </p:cSld>
-  <p:clrMapOvr>
-    <a:masterClrMapping/>
-  </p:clrMapOvr>
-  <p:timing>
-    <p:tnLst>
-      <p:par>
-        <p:cTn id="1" dur="indefinite" restart="never" nodeType="tmRoot">
-          <p:childTnLst>
-            <p:seq concurrent="1" nextAc="seek">
-              <p:cTn id="2" dur="indefinite" nodeType="mainSeq">
-                <p:childTnLst>
-                  <p:par>
-                    <p:cTn id="3" fill="hold">
-                      <p:stCondLst>
-                        <p:cond delay="indefinite"/>
-                      </p:stCondLst>
-                      <p:childTnLst>
-                        <p:par>
-                          <p:cTn id="4" fill="hold">
-                            <p:stCondLst>
-                              <p:cond delay="0"/>
-                            </p:stCondLst>
-                            <p:childTnLst>
-                              <p:par>
-                                <p:cTn id="5" presetID="1" presetClass="entr" presetSubtype="0" fill="hold" nodeType="clickEffect">
-                                  <p:stCondLst>
-                                    <p:cond delay="0"/>
-                                  </p:stCondLst>
-                                  <p:childTnLst>
-                                    <p:set>
-                                      <p:cBhvr>
-                                        <p:cTn id="6" dur="1" fill="hold">
-                                          <p:stCondLst>
-                                            <p:cond delay="0"/>
-                                          </p:stCondLst>
-                                        </p:cTn>
-                                        <p:tgtEl>
-                                          <p:spTgt spid="1026"/>
-                                        </p:tgtEl>
-                                        <p:attrNameLst>
-                                          <p:attrName>style.visibility</p:attrName>
-                                        </p:attrNameLst>
-                                      </p:cBhvr>
-                                      <p:to>
-                                        <p:strVal val="visible"/>
-                                      </p:to>
-                                    </p:set>
-                                  </p:childTnLst>
-                                </p:cTn>
-                              </p:par>
-                              <p:par>
-                                <p:cTn id="7" presetID="1" presetClass="entr" presetSubtype="0" fill="hold" grpId="0" nodeType="withEffect">
-                                  <p:stCondLst>
-                                    <p:cond delay="0"/>
-                                  </p:stCondLst>
-                                  <p:childTnLst>
-                                    <p:set>
-                                      <p:cBhvr>
-                                        <p:cTn id="8" dur="1" fill="hold">
-                                          <p:stCondLst>
-                                            <p:cond delay="0"/>
-                                          </p:stCondLst>
-                                        </p:cTn>
-                                        <p:tgtEl>
-                                          <p:spTgt spid="9"/>
-                                        </p:tgtEl>
-                                        <p:attrNameLst>
-                                          <p:attrName>style.visibility</p:attrName>
-                                        </p:attrNameLst>
-                                      </p:cBhvr>
-                                      <p:to>
-                                        <p:strVal val="visible"/>
-                                      </p:to>
-                                    </p:set>
-                                  </p:childTnLst>
-                                </p:cTn>
-                              </p:par>
-                            </p:childTnLst>
-                          </p:cTn>
-                        </p:par>
-                      </p:childTnLst>
-                    </p:cTn>
-                  </p:par>
-                  <p:par>
-                    <p:cTn id="9" fill="hold">
-                      <p:stCondLst>
-                        <p:cond delay="indefinite"/>
-                      </p:stCondLst>
-                      <p:childTnLst>
-                        <p:par>
-                          <p:cTn id="10" fill="hold">
-                            <p:stCondLst>
-                              <p:cond delay="0"/>
-                            </p:stCondLst>
-                            <p:childTnLst>
-                              <p:par>
-                                <p:cTn id="11" presetID="1" presetClass="entr" presetSubtype="0" fill="hold" nodeType="clickEffect">
-                                  <p:stCondLst>
-                                    <p:cond delay="0"/>
-                                  </p:stCondLst>
-                                  <p:childTnLst>
-                                    <p:set>
-                                      <p:cBhvr>
-                                        <p:cTn id="12" dur="1" fill="hold">
-                                          <p:stCondLst>
-                                            <p:cond delay="0"/>
-                                          </p:stCondLst>
-                                        </p:cTn>
-                                        <p:tgtEl>
-                                          <p:spTgt spid="12"/>
-                                        </p:tgtEl>
-                                        <p:attrNameLst>
-                                          <p:attrName>style.visibility</p:attrName>
-                                        </p:attrNameLst>
-                                      </p:cBhvr>
-                                      <p:to>
-                                        <p:strVal val="visible"/>
-                                      </p:to>
-                                    </p:set>
-                                  </p:childTnLst>
-                                </p:cTn>
-                              </p:par>
-                            </p:childTnLst>
-                          </p:cTn>
-                        </p:par>
-                      </p:childTnLst>
-                    </p:cTn>
-                  </p:par>
-                </p:childTnLst>
-              </p:cTn>
-              <p:prevCondLst>
-                <p:cond evt="onPrev" delay="0">
-                  <p:tgtEl>
-                    <p:sldTgt/>
-                  </p:tgtEl>
-                </p:cond>
-              </p:prevCondLst>
-              <p:nextCondLst>
-                <p:cond evt="onNext" delay="0">
-                  <p:tgtEl>
-                    <p:sldTgt/>
-                  </p:tgtEl>
-                </p:cond>
-              </p:nextCondLst>
-            </p:seq>
-          </p:childTnLst>
-        </p:cTn>
-      </p:par>
-    </p:tnLst>
-    <p:bldLst>
-      <p:bldP spid="9" grpId="0" animBg="1"/>
-    </p:bldLst>
-  </p:timing>
-</p:sld>
-</file>
-
-<file path=ppt/slides/slide12.xml><?xml version="1.0" encoding="utf-8"?>
-<p:sld xmlns:a="http://schemas.openxmlformats.org/drawingml/2006/main" xmlns:r="http://schemas.openxmlformats.org/officeDocument/2006/relationships" xmlns:p="http://schemas.openxmlformats.org/presentationml/2006/main">
-  <p:cSld>
-    <p:spTree>
-      <p:nvGrpSpPr>
-        <p:cNvPr id="1" name=""/>
-        <p:cNvGrpSpPr/>
-        <p:nvPr/>
-      </p:nvGrpSpPr>
-      <p:grpSpPr>
-        <a:xfrm>
-          <a:off x="0" y="0"/>
-          <a:ext cx="0" cy="0"/>
-          <a:chOff x="0" y="0"/>
-          <a:chExt cx="0" cy="0"/>
-        </a:xfrm>
-      </p:grpSpPr>
-      <p:sp>
-        <p:nvSpPr>
           <p:cNvPr id="2" name="Título 1"/>
           <p:cNvSpPr>
             <a:spLocks noGrp="1"/>
@@ -4627,7 +4100,7 @@
 </p:sld>
 </file>
 
-<file path=ppt/slides/slide13.xml><?xml version="1.0" encoding="utf-8"?>
+<file path=ppt/slides/slide11.xml><?xml version="1.0" encoding="utf-8"?>
 <p:sld xmlns:a="http://schemas.openxmlformats.org/drawingml/2006/main" xmlns:r="http://schemas.openxmlformats.org/officeDocument/2006/relationships" xmlns:p="http://schemas.openxmlformats.org/presentationml/2006/main">
   <p:cSld>
     <p:spTree>
@@ -4762,11 +4235,7 @@
             </a:pPr>
             <a:r>
               <a:rPr lang="es-MX" dirty="0" smtClean="0"/>
-              <a:t>p(A|B</a:t>
-            </a:r>
-            <a:r>
-              <a:rPr lang="es-MX" dirty="0" smtClean="0"/>
-              <a:t>) = p(A)</a:t>
+              <a:t>p(A|B) = p(A)</a:t>
             </a:r>
             <a:endParaRPr lang="es-MX" dirty="0"/>
           </a:p>
@@ -4861,17 +4330,8 @@
             </a:pPr>
             <a:r>
               <a:rPr lang="es-MX" dirty="0" smtClean="0"/>
-              <a:t>p(A|B) </a:t>
-            </a:r>
-            <a:r>
-              <a:rPr lang="es-MX" dirty="0" smtClean="0"/>
-              <a:t>&gt; </a:t>
-            </a:r>
-            <a:r>
-              <a:rPr lang="es-MX" dirty="0" smtClean="0"/>
-              <a:t>p(B)</a:t>
-            </a:r>
-            <a:endParaRPr lang="es-MX" dirty="0" smtClean="0"/>
+              <a:t>p(A|B) &gt; p(B)</a:t>
+            </a:r>
           </a:p>
         </p:txBody>
       </p:sp>
@@ -5378,7 +4838,7 @@
 </p:sld>
 </file>
 
-<file path=ppt/slides/slide14.xml><?xml version="1.0" encoding="utf-8"?>
+<file path=ppt/slides/slide12.xml><?xml version="1.0" encoding="utf-8"?>
 <p:sld xmlns:a="http://schemas.openxmlformats.org/drawingml/2006/main" xmlns:r="http://schemas.openxmlformats.org/officeDocument/2006/relationships" xmlns:p="http://schemas.openxmlformats.org/presentationml/2006/main">
   <p:cSld>
     <p:spTree>
@@ -5603,11 +5063,7 @@
             </a:pPr>
             <a:r>
               <a:rPr lang="es-MX" dirty="0" smtClean="0"/>
-              <a:t>p(A|B</a:t>
-            </a:r>
-            <a:r>
-              <a:rPr lang="es-MX" dirty="0" smtClean="0"/>
-              <a:t>) = p(A)</a:t>
+              <a:t>p(A|B) = p(A)</a:t>
             </a:r>
             <a:endParaRPr lang="es-MX" dirty="0"/>
           </a:p>
@@ -5683,17 +5139,8 @@
             </a:pPr>
             <a:r>
               <a:rPr lang="es-MX" dirty="0" smtClean="0"/>
-              <a:t>p(A|B) </a:t>
-            </a:r>
-            <a:r>
-              <a:rPr lang="es-MX" dirty="0" smtClean="0"/>
-              <a:t>&gt; </a:t>
-            </a:r>
-            <a:r>
-              <a:rPr lang="es-MX" dirty="0" smtClean="0"/>
-              <a:t>p(A)</a:t>
-            </a:r>
-            <a:endParaRPr lang="es-MX" dirty="0" smtClean="0"/>
+              <a:t>p(A|B) &gt; p(A)</a:t>
+            </a:r>
           </a:p>
         </p:txBody>
       </p:sp>
@@ -6147,7 +5594,7 @@
 </p:sld>
 </file>
 
-<file path=ppt/slides/slide15.xml><?xml version="1.0" encoding="utf-8"?>
+<file path=ppt/slides/slide13.xml><?xml version="1.0" encoding="utf-8"?>
 <p:sld xmlns:a="http://schemas.openxmlformats.org/drawingml/2006/main" xmlns:r="http://schemas.openxmlformats.org/officeDocument/2006/relationships" xmlns:p="http://schemas.openxmlformats.org/presentationml/2006/main">
   <p:cSld>
     <p:spTree>
@@ -6591,7 +6038,7 @@
 </p:sld>
 </file>
 
-<file path=ppt/slides/slide16.xml><?xml version="1.0" encoding="utf-8"?>
+<file path=ppt/slides/slide14.xml><?xml version="1.0" encoding="utf-8"?>
 <p:sld xmlns:a="http://schemas.openxmlformats.org/drawingml/2006/main" xmlns:r="http://schemas.openxmlformats.org/officeDocument/2006/relationships" xmlns:p="http://schemas.openxmlformats.org/presentationml/2006/main">
   <p:cSld>
     <p:spTree>
@@ -6711,8 +6158,8 @@
           </a:p>
         </p:txBody>
       </p:sp>
-      <mc:AlternateContent xmlns:mc="http://schemas.openxmlformats.org/markup-compatibility/2006">
-        <mc:Choice xmlns:a14="http://schemas.microsoft.com/office/drawing/2010/main" Requires="a14">
+      <mc:AlternateContent xmlns:mc="http://schemas.openxmlformats.org/markup-compatibility/2006" xmlns:a14="http://schemas.microsoft.com/office/drawing/2010/main">
+        <mc:Choice Requires="a14">
           <p:sp>
             <p:nvSpPr>
               <p:cNvPr id="6" name="5 Marcador de contenido"/>
@@ -6914,7 +6361,7 @@
             </p:txBody>
           </p:sp>
         </mc:Choice>
-        <mc:Fallback>
+        <mc:Fallback xmlns="">
           <p:sp>
             <p:nvSpPr>
               <p:cNvPr id="6" name="5 Marcador de contenido"/>
@@ -7518,7 +6965,7 @@
 </p:sld>
 </file>
 
-<file path=ppt/slides/slide17.xml><?xml version="1.0" encoding="utf-8"?>
+<file path=ppt/slides/slide15.xml><?xml version="1.0" encoding="utf-8"?>
 <p:sld xmlns:a="http://schemas.openxmlformats.org/drawingml/2006/main" xmlns:r="http://schemas.openxmlformats.org/officeDocument/2006/relationships" xmlns:p="http://schemas.openxmlformats.org/presentationml/2006/main">
   <p:cSld>
     <p:spTree>
@@ -8172,7 +7619,7 @@
 </p:sld>
 </file>
 
-<file path=ppt/slides/slide18.xml><?xml version="1.0" encoding="utf-8"?>
+<file path=ppt/slides/slide16.xml><?xml version="1.0" encoding="utf-8"?>
 <p:sld xmlns:a="http://schemas.openxmlformats.org/drawingml/2006/main" xmlns:r="http://schemas.openxmlformats.org/officeDocument/2006/relationships" xmlns:p="http://schemas.openxmlformats.org/presentationml/2006/main">
   <p:cSld>
     <p:spTree>
@@ -8944,7 +8391,7 @@
 </p:sld>
 </file>
 
-<file path=ppt/slides/slide19.xml><?xml version="1.0" encoding="utf-8"?>
+<file path=ppt/slides/slide17.xml><?xml version="1.0" encoding="utf-8"?>
 <p:sld xmlns:a="http://schemas.openxmlformats.org/drawingml/2006/main" xmlns:r="http://schemas.openxmlformats.org/officeDocument/2006/relationships" xmlns:p="http://schemas.openxmlformats.org/presentationml/2006/main">
   <p:cSld>
     <p:spTree>
@@ -9796,133 +9243,7 @@
 </p:sld>
 </file>
 
-<file path=ppt/slides/slide2.xml><?xml version="1.0" encoding="utf-8"?>
-<p:sld xmlns:a="http://schemas.openxmlformats.org/drawingml/2006/main" xmlns:r="http://schemas.openxmlformats.org/officeDocument/2006/relationships" xmlns:p="http://schemas.openxmlformats.org/presentationml/2006/main">
-  <p:cSld>
-    <p:spTree>
-      <p:nvGrpSpPr>
-        <p:cNvPr id="1" name=""/>
-        <p:cNvGrpSpPr/>
-        <p:nvPr/>
-      </p:nvGrpSpPr>
-      <p:grpSpPr>
-        <a:xfrm>
-          <a:off x="0" y="0"/>
-          <a:ext cx="0" cy="0"/>
-          <a:chOff x="0" y="0"/>
-          <a:chExt cx="0" cy="0"/>
-        </a:xfrm>
-      </p:grpSpPr>
-      <p:sp>
-        <p:nvSpPr>
-          <p:cNvPr id="2" name="Título 1"/>
-          <p:cNvSpPr>
-            <a:spLocks noGrp="1"/>
-          </p:cNvSpPr>
-          <p:nvPr>
-            <p:ph type="title"/>
-          </p:nvPr>
-        </p:nvSpPr>
-        <p:spPr>
-          <a:xfrm>
-            <a:off x="838200" y="365126"/>
-            <a:ext cx="10515600" cy="851200"/>
-          </a:xfrm>
-        </p:spPr>
-        <p:txBody>
-          <a:bodyPr/>
-          <a:lstStyle/>
-          <a:p>
-            <a:pPr algn="ctr"/>
-            <a:r>
-              <a:rPr lang="es-MX" b="1" dirty="0" smtClean="0">
-                <a:effectLst>
-                  <a:outerShdw blurRad="38100" dist="38100" dir="2700000" algn="tl">
-                    <a:srgbClr val="000000">
-                      <a:alpha val="43137"/>
-                    </a:srgbClr>
-                  </a:outerShdw>
-                </a:effectLst>
-              </a:rPr>
-              <a:t>Inferencia Probabilística</a:t>
-            </a:r>
-            <a:endParaRPr lang="es-MX" dirty="0"/>
-          </a:p>
-        </p:txBody>
-      </p:sp>
-      <p:sp>
-        <p:nvSpPr>
-          <p:cNvPr id="3" name="Marcador de contenido 2"/>
-          <p:cNvSpPr>
-            <a:spLocks noGrp="1"/>
-          </p:cNvSpPr>
-          <p:nvPr>
-            <p:ph idx="1"/>
-          </p:nvPr>
-        </p:nvSpPr>
-        <p:spPr>
-          <a:xfrm>
-            <a:off x="838200" y="1216326"/>
-            <a:ext cx="10515600" cy="5305244"/>
-          </a:xfrm>
-        </p:spPr>
-        <p:txBody>
-          <a:bodyPr/>
-          <a:lstStyle/>
-          <a:p>
-            <a:endParaRPr lang="es-MX" dirty="0" smtClean="0"/>
-          </a:p>
-          <a:p>
-            <a:r>
-              <a:rPr lang="es-MX" dirty="0" smtClean="0"/>
-              <a:t>Determinar qué tan probable es que ocurra un evento X</a:t>
-            </a:r>
-          </a:p>
-          <a:p>
-            <a:endParaRPr lang="es-MX" dirty="0"/>
-          </a:p>
-          <a:p>
-            <a:pPr lvl="1"/>
-            <a:r>
-              <a:rPr lang="es-MX" dirty="0" smtClean="0"/>
-              <a:t>Lidiar contra la incertidumbre</a:t>
-            </a:r>
-          </a:p>
-          <a:p>
-            <a:pPr lvl="1"/>
-            <a:endParaRPr lang="es-MX" dirty="0"/>
-          </a:p>
-          <a:p>
-            <a:pPr lvl="1"/>
-            <a:r>
-              <a:rPr lang="es-MX" dirty="0" smtClean="0"/>
-              <a:t>Resolver el problema de la Asignación de Crédito</a:t>
-            </a:r>
-            <a:endParaRPr lang="es-MX" dirty="0"/>
-          </a:p>
-        </p:txBody>
-      </p:sp>
-    </p:spTree>
-    <p:extLst>
-      <p:ext uri="{BB962C8B-B14F-4D97-AF65-F5344CB8AC3E}">
-        <p14:creationId xmlns:p14="http://schemas.microsoft.com/office/powerpoint/2010/main" val="3043475537"/>
-      </p:ext>
-    </p:extLst>
-  </p:cSld>
-  <p:clrMapOvr>
-    <a:masterClrMapping/>
-  </p:clrMapOvr>
-  <p:timing>
-    <p:tnLst>
-      <p:par>
-        <p:cTn id="1" dur="indefinite" restart="never" nodeType="tmRoot"/>
-      </p:par>
-    </p:tnLst>
-  </p:timing>
-</p:sld>
-</file>
-
-<file path=ppt/slides/slide20.xml><?xml version="1.0" encoding="utf-8"?>
+<file path=ppt/slides/slide18.xml><?xml version="1.0" encoding="utf-8"?>
 <p:sld xmlns:a="http://schemas.openxmlformats.org/drawingml/2006/main" xmlns:r="http://schemas.openxmlformats.org/officeDocument/2006/relationships" xmlns:p="http://schemas.openxmlformats.org/presentationml/2006/main">
   <p:cSld>
     <p:spTree>
@@ -10833,7 +10154,7 @@
 </p:sld>
 </file>
 
-<file path=ppt/slides/slide21.xml><?xml version="1.0" encoding="utf-8"?>
+<file path=ppt/slides/slide19.xml><?xml version="1.0" encoding="utf-8"?>
 <p:sld xmlns:a="http://schemas.openxmlformats.org/drawingml/2006/main" xmlns:r="http://schemas.openxmlformats.org/officeDocument/2006/relationships" xmlns:p="http://schemas.openxmlformats.org/presentationml/2006/main">
   <p:cSld>
     <p:spTree>
@@ -10952,7 +10273,133 @@
 </p:sld>
 </file>
 
-<file path=ppt/slides/slide22.xml><?xml version="1.0" encoding="utf-8"?>
+<file path=ppt/slides/slide2.xml><?xml version="1.0" encoding="utf-8"?>
+<p:sld xmlns:a="http://schemas.openxmlformats.org/drawingml/2006/main" xmlns:r="http://schemas.openxmlformats.org/officeDocument/2006/relationships" xmlns:p="http://schemas.openxmlformats.org/presentationml/2006/main">
+  <p:cSld>
+    <p:spTree>
+      <p:nvGrpSpPr>
+        <p:cNvPr id="1" name=""/>
+        <p:cNvGrpSpPr/>
+        <p:nvPr/>
+      </p:nvGrpSpPr>
+      <p:grpSpPr>
+        <a:xfrm>
+          <a:off x="0" y="0"/>
+          <a:ext cx="0" cy="0"/>
+          <a:chOff x="0" y="0"/>
+          <a:chExt cx="0" cy="0"/>
+        </a:xfrm>
+      </p:grpSpPr>
+      <p:sp>
+        <p:nvSpPr>
+          <p:cNvPr id="2" name="Título 1"/>
+          <p:cNvSpPr>
+            <a:spLocks noGrp="1"/>
+          </p:cNvSpPr>
+          <p:nvPr>
+            <p:ph type="title"/>
+          </p:nvPr>
+        </p:nvSpPr>
+        <p:spPr>
+          <a:xfrm>
+            <a:off x="838200" y="365126"/>
+            <a:ext cx="10515600" cy="851200"/>
+          </a:xfrm>
+        </p:spPr>
+        <p:txBody>
+          <a:bodyPr/>
+          <a:lstStyle/>
+          <a:p>
+            <a:pPr algn="ctr"/>
+            <a:r>
+              <a:rPr lang="es-MX" b="1" dirty="0" smtClean="0">
+                <a:effectLst>
+                  <a:outerShdw blurRad="38100" dist="38100" dir="2700000" algn="tl">
+                    <a:srgbClr val="000000">
+                      <a:alpha val="43137"/>
+                    </a:srgbClr>
+                  </a:outerShdw>
+                </a:effectLst>
+              </a:rPr>
+              <a:t>Inferencia Probabilística</a:t>
+            </a:r>
+            <a:endParaRPr lang="es-MX" dirty="0"/>
+          </a:p>
+        </p:txBody>
+      </p:sp>
+      <p:sp>
+        <p:nvSpPr>
+          <p:cNvPr id="3" name="Marcador de contenido 2"/>
+          <p:cNvSpPr>
+            <a:spLocks noGrp="1"/>
+          </p:cNvSpPr>
+          <p:nvPr>
+            <p:ph idx="1"/>
+          </p:nvPr>
+        </p:nvSpPr>
+        <p:spPr>
+          <a:xfrm>
+            <a:off x="838200" y="1216326"/>
+            <a:ext cx="10515600" cy="5305244"/>
+          </a:xfrm>
+        </p:spPr>
+        <p:txBody>
+          <a:bodyPr/>
+          <a:lstStyle/>
+          <a:p>
+            <a:endParaRPr lang="es-MX" dirty="0" smtClean="0"/>
+          </a:p>
+          <a:p>
+            <a:r>
+              <a:rPr lang="es-MX" dirty="0" smtClean="0"/>
+              <a:t>Determinar qué tan probable es que ocurra un evento X</a:t>
+            </a:r>
+          </a:p>
+          <a:p>
+            <a:endParaRPr lang="es-MX" dirty="0"/>
+          </a:p>
+          <a:p>
+            <a:pPr lvl="1"/>
+            <a:r>
+              <a:rPr lang="es-MX" dirty="0" smtClean="0"/>
+              <a:t>Lidiar contra la incertidumbre</a:t>
+            </a:r>
+          </a:p>
+          <a:p>
+            <a:pPr lvl="1"/>
+            <a:endParaRPr lang="es-MX" dirty="0"/>
+          </a:p>
+          <a:p>
+            <a:pPr lvl="1"/>
+            <a:r>
+              <a:rPr lang="es-MX" dirty="0" smtClean="0"/>
+              <a:t>Resolver el problema de la Asignación de Crédito</a:t>
+            </a:r>
+            <a:endParaRPr lang="es-MX" dirty="0"/>
+          </a:p>
+        </p:txBody>
+      </p:sp>
+    </p:spTree>
+    <p:extLst>
+      <p:ext uri="{BB962C8B-B14F-4D97-AF65-F5344CB8AC3E}">
+        <p14:creationId xmlns:p14="http://schemas.microsoft.com/office/powerpoint/2010/main" val="3043475537"/>
+      </p:ext>
+    </p:extLst>
+  </p:cSld>
+  <p:clrMapOvr>
+    <a:masterClrMapping/>
+  </p:clrMapOvr>
+  <p:timing>
+    <p:tnLst>
+      <p:par>
+        <p:cTn id="1" dur="indefinite" restart="never" nodeType="tmRoot"/>
+      </p:par>
+    </p:tnLst>
+  </p:timing>
+</p:sld>
+</file>
+
+<file path=ppt/slides/slide20.xml><?xml version="1.0" encoding="utf-8"?>
 <p:sld xmlns:a="http://schemas.openxmlformats.org/drawingml/2006/main" xmlns:r="http://schemas.openxmlformats.org/officeDocument/2006/relationships" xmlns:p="http://schemas.openxmlformats.org/presentationml/2006/main">
   <p:cSld>
     <p:spTree>
@@ -11078,7 +10525,7 @@
 </p:sld>
 </file>
 
-<file path=ppt/slides/slide23.xml><?xml version="1.0" encoding="utf-8"?>
+<file path=ppt/slides/slide21.xml><?xml version="1.0" encoding="utf-8"?>
 <p:sld xmlns:a="http://schemas.openxmlformats.org/drawingml/2006/main" xmlns:r="http://schemas.openxmlformats.org/officeDocument/2006/relationships" xmlns:p="http://schemas.openxmlformats.org/presentationml/2006/main">
   <p:cSld>
     <p:spTree>
@@ -11204,7 +10651,7 @@
 </p:sld>
 </file>
 
-<file path=ppt/slides/slide24.xml><?xml version="1.0" encoding="utf-8"?>
+<file path=ppt/slides/slide22.xml><?xml version="1.0" encoding="utf-8"?>
 <p:sld xmlns:a="http://schemas.openxmlformats.org/drawingml/2006/main" xmlns:r="http://schemas.openxmlformats.org/officeDocument/2006/relationships" xmlns:p="http://schemas.openxmlformats.org/presentationml/2006/main">
   <p:cSld>
     <p:spTree>
@@ -11333,7 +10780,7 @@
 </p:sld>
 </file>
 
-<file path=ppt/slides/slide25.xml><?xml version="1.0" encoding="utf-8"?>
+<file path=ppt/slides/slide23.xml><?xml version="1.0" encoding="utf-8"?>
 <p:sld xmlns:a="http://schemas.openxmlformats.org/drawingml/2006/main" xmlns:r="http://schemas.openxmlformats.org/officeDocument/2006/relationships" xmlns:p="http://schemas.openxmlformats.org/presentationml/2006/main">
   <p:cSld>
     <p:spTree>
@@ -11925,7 +11372,7 @@
 </p:sld>
 </file>
 
-<file path=ppt/slides/slide26.xml><?xml version="1.0" encoding="utf-8"?>
+<file path=ppt/slides/slide24.xml><?xml version="1.0" encoding="utf-8"?>
 <p:sld xmlns:a="http://schemas.openxmlformats.org/drawingml/2006/main" xmlns:r="http://schemas.openxmlformats.org/officeDocument/2006/relationships" xmlns:p="http://schemas.openxmlformats.org/presentationml/2006/main">
   <p:cSld>
     <p:spTree>
@@ -12054,6 +11501,258 @@
 </p:sld>
 </file>
 
+<file path=ppt/slides/slide25.xml><?xml version="1.0" encoding="utf-8"?>
+<p:sld xmlns:a="http://schemas.openxmlformats.org/drawingml/2006/main" xmlns:r="http://schemas.openxmlformats.org/officeDocument/2006/relationships" xmlns:p="http://schemas.openxmlformats.org/presentationml/2006/main">
+  <p:cSld>
+    <p:spTree>
+      <p:nvGrpSpPr>
+        <p:cNvPr id="1" name=""/>
+        <p:cNvGrpSpPr/>
+        <p:nvPr/>
+      </p:nvGrpSpPr>
+      <p:grpSpPr>
+        <a:xfrm>
+          <a:off x="0" y="0"/>
+          <a:ext cx="0" cy="0"/>
+          <a:chOff x="0" y="0"/>
+          <a:chExt cx="0" cy="0"/>
+        </a:xfrm>
+      </p:grpSpPr>
+      <p:sp>
+        <p:nvSpPr>
+          <p:cNvPr id="2" name="Título 1"/>
+          <p:cNvSpPr>
+            <a:spLocks noGrp="1"/>
+          </p:cNvSpPr>
+          <p:nvPr>
+            <p:ph type="title"/>
+          </p:nvPr>
+        </p:nvSpPr>
+        <p:spPr>
+          <a:xfrm>
+            <a:off x="838200" y="365126"/>
+            <a:ext cx="10515600" cy="851200"/>
+          </a:xfrm>
+        </p:spPr>
+        <p:txBody>
+          <a:bodyPr/>
+          <a:lstStyle/>
+          <a:p>
+            <a:pPr algn="ctr"/>
+            <a:r>
+              <a:rPr lang="es-MX" b="1" dirty="0" smtClean="0">
+                <a:effectLst>
+                  <a:outerShdw blurRad="38100" dist="38100" dir="2700000" algn="tl">
+                    <a:srgbClr val="000000">
+                      <a:alpha val="43137"/>
+                    </a:srgbClr>
+                  </a:outerShdw>
+                </a:effectLst>
+              </a:rPr>
+              <a:t>Inferencia Probabilística</a:t>
+            </a:r>
+            <a:endParaRPr lang="es-MX" dirty="0"/>
+          </a:p>
+        </p:txBody>
+      </p:sp>
+      <p:sp>
+        <p:nvSpPr>
+          <p:cNvPr id="3" name="Marcador de contenido 2"/>
+          <p:cNvSpPr>
+            <a:spLocks noGrp="1"/>
+          </p:cNvSpPr>
+          <p:nvPr>
+            <p:ph idx="1"/>
+          </p:nvPr>
+        </p:nvSpPr>
+        <p:spPr>
+          <a:xfrm>
+            <a:off x="838200" y="1216326"/>
+            <a:ext cx="10515600" cy="5305244"/>
+          </a:xfrm>
+        </p:spPr>
+        <p:txBody>
+          <a:bodyPr/>
+          <a:lstStyle/>
+          <a:p>
+            <a:endParaRPr lang="es-MX" dirty="0" smtClean="0"/>
+          </a:p>
+          <a:p>
+            <a:r>
+              <a:rPr lang="es-MX" dirty="0" smtClean="0"/>
+              <a:t>Determinar qué tan probable es que ocurra un evento X</a:t>
+            </a:r>
+          </a:p>
+          <a:p>
+            <a:endParaRPr lang="es-MX" dirty="0"/>
+          </a:p>
+          <a:p>
+            <a:pPr lvl="1"/>
+            <a:r>
+              <a:rPr lang="es-MX" dirty="0" smtClean="0"/>
+              <a:t>Lidiar contra la incertidumbre</a:t>
+            </a:r>
+          </a:p>
+          <a:p>
+            <a:pPr lvl="1"/>
+            <a:endParaRPr lang="es-MX" dirty="0"/>
+          </a:p>
+          <a:p>
+            <a:pPr lvl="1"/>
+            <a:r>
+              <a:rPr lang="es-MX" dirty="0" smtClean="0"/>
+              <a:t>Resolver el problema de la Asignación de Crédito</a:t>
+            </a:r>
+            <a:endParaRPr lang="es-MX" dirty="0"/>
+          </a:p>
+        </p:txBody>
+      </p:sp>
+    </p:spTree>
+    <p:extLst>
+      <p:ext uri="{BB962C8B-B14F-4D97-AF65-F5344CB8AC3E}">
+        <p14:creationId xmlns:p14="http://schemas.microsoft.com/office/powerpoint/2010/main" val="3578656673"/>
+      </p:ext>
+    </p:extLst>
+  </p:cSld>
+  <p:clrMapOvr>
+    <a:masterClrMapping/>
+  </p:clrMapOvr>
+  <p:timing>
+    <p:tnLst>
+      <p:par>
+        <p:cTn id="1" dur="indefinite" restart="never" nodeType="tmRoot"/>
+      </p:par>
+    </p:tnLst>
+  </p:timing>
+</p:sld>
+</file>
+
+<file path=ppt/slides/slide26.xml><?xml version="1.0" encoding="utf-8"?>
+<p:sld xmlns:a="http://schemas.openxmlformats.org/drawingml/2006/main" xmlns:r="http://schemas.openxmlformats.org/officeDocument/2006/relationships" xmlns:p="http://schemas.openxmlformats.org/presentationml/2006/main">
+  <p:cSld>
+    <p:spTree>
+      <p:nvGrpSpPr>
+        <p:cNvPr id="1" name=""/>
+        <p:cNvGrpSpPr/>
+        <p:nvPr/>
+      </p:nvGrpSpPr>
+      <p:grpSpPr>
+        <a:xfrm>
+          <a:off x="0" y="0"/>
+          <a:ext cx="0" cy="0"/>
+          <a:chOff x="0" y="0"/>
+          <a:chExt cx="0" cy="0"/>
+        </a:xfrm>
+      </p:grpSpPr>
+      <p:sp>
+        <p:nvSpPr>
+          <p:cNvPr id="2" name="Título 1"/>
+          <p:cNvSpPr>
+            <a:spLocks noGrp="1"/>
+          </p:cNvSpPr>
+          <p:nvPr>
+            <p:ph type="title"/>
+          </p:nvPr>
+        </p:nvSpPr>
+        <p:spPr>
+          <a:xfrm>
+            <a:off x="838200" y="365126"/>
+            <a:ext cx="10515600" cy="851200"/>
+          </a:xfrm>
+        </p:spPr>
+        <p:txBody>
+          <a:bodyPr/>
+          <a:lstStyle/>
+          <a:p>
+            <a:pPr algn="ctr"/>
+            <a:r>
+              <a:rPr lang="es-MX" b="1" dirty="0" smtClean="0">
+                <a:effectLst>
+                  <a:outerShdw blurRad="38100" dist="38100" dir="2700000" algn="tl">
+                    <a:srgbClr val="000000">
+                      <a:alpha val="43137"/>
+                    </a:srgbClr>
+                  </a:outerShdw>
+                </a:effectLst>
+              </a:rPr>
+              <a:t>Inferencia Probabilística</a:t>
+            </a:r>
+            <a:endParaRPr lang="es-MX" dirty="0"/>
+          </a:p>
+        </p:txBody>
+      </p:sp>
+      <p:sp>
+        <p:nvSpPr>
+          <p:cNvPr id="3" name="Marcador de contenido 2"/>
+          <p:cNvSpPr>
+            <a:spLocks noGrp="1"/>
+          </p:cNvSpPr>
+          <p:nvPr>
+            <p:ph idx="1"/>
+          </p:nvPr>
+        </p:nvSpPr>
+        <p:spPr>
+          <a:xfrm>
+            <a:off x="838200" y="1216326"/>
+            <a:ext cx="10515600" cy="5305244"/>
+          </a:xfrm>
+        </p:spPr>
+        <p:txBody>
+          <a:bodyPr/>
+          <a:lstStyle/>
+          <a:p>
+            <a:endParaRPr lang="es-MX" dirty="0" smtClean="0"/>
+          </a:p>
+          <a:p>
+            <a:r>
+              <a:rPr lang="es-MX" dirty="0" smtClean="0"/>
+              <a:t>Determinar qué tan probable es que ocurra un evento X</a:t>
+            </a:r>
+          </a:p>
+          <a:p>
+            <a:endParaRPr lang="es-MX" dirty="0"/>
+          </a:p>
+          <a:p>
+            <a:pPr lvl="1"/>
+            <a:r>
+              <a:rPr lang="es-MX" dirty="0" smtClean="0"/>
+              <a:t>Lidiar contra la incertidumbre</a:t>
+            </a:r>
+          </a:p>
+          <a:p>
+            <a:pPr lvl="1"/>
+            <a:endParaRPr lang="es-MX" dirty="0"/>
+          </a:p>
+          <a:p>
+            <a:pPr lvl="1"/>
+            <a:r>
+              <a:rPr lang="es-MX" b="1" u="sng" dirty="0" smtClean="0"/>
+              <a:t>Resolver el problema de la Asignación de Crédito</a:t>
+            </a:r>
+            <a:endParaRPr lang="es-MX" b="1" u="sng" dirty="0"/>
+          </a:p>
+        </p:txBody>
+      </p:sp>
+    </p:spTree>
+    <p:extLst>
+      <p:ext uri="{BB962C8B-B14F-4D97-AF65-F5344CB8AC3E}">
+        <p14:creationId xmlns:p14="http://schemas.microsoft.com/office/powerpoint/2010/main" val="3717439173"/>
+      </p:ext>
+    </p:extLst>
+  </p:cSld>
+  <p:clrMapOvr>
+    <a:masterClrMapping/>
+  </p:clrMapOvr>
+  <p:timing>
+    <p:tnLst>
+      <p:par>
+        <p:cTn id="1" dur="indefinite" restart="never" nodeType="tmRoot"/>
+      </p:par>
+    </p:tnLst>
+  </p:timing>
+</p:sld>
+</file>
+
 <file path=ppt/slides/slide27.xml><?xml version="1.0" encoding="utf-8"?>
 <p:sld xmlns:a="http://schemas.openxmlformats.org/drawingml/2006/main" xmlns:r="http://schemas.openxmlformats.org/officeDocument/2006/relationships" xmlns:p="http://schemas.openxmlformats.org/presentationml/2006/main">
   <p:cSld>
@@ -12081,12 +11780,7 @@
             <p:ph type="title"/>
           </p:nvPr>
         </p:nvSpPr>
-        <p:spPr>
-          <a:xfrm>
-            <a:off x="838200" y="365126"/>
-            <a:ext cx="10515600" cy="851200"/>
-          </a:xfrm>
-        </p:spPr>
+        <p:spPr/>
         <p:txBody>
           <a:bodyPr/>
           <a:lstStyle/>
@@ -12102,9 +11796,17 @@
                   </a:outerShdw>
                 </a:effectLst>
               </a:rPr>
-              <a:t>Inferencia Probabilística</a:t>
-            </a:r>
-            <a:endParaRPr lang="es-MX" dirty="0"/>
+              <a:t>Asignación de crédito</a:t>
+            </a:r>
+            <a:endParaRPr lang="es-MX" b="1" dirty="0">
+              <a:effectLst>
+                <a:outerShdw blurRad="38100" dist="38100" dir="2700000" algn="tl">
+                  <a:srgbClr val="000000">
+                    <a:alpha val="43137"/>
+                  </a:srgbClr>
+                </a:outerShdw>
+              </a:effectLst>
+            </a:endParaRPr>
           </a:p>
         </p:txBody>
       </p:sp>
@@ -12118,32 +11820,26 @@
             <p:ph idx="1"/>
           </p:nvPr>
         </p:nvSpPr>
-        <p:spPr>
-          <a:xfrm>
-            <a:off x="838200" y="1216326"/>
-            <a:ext cx="10515600" cy="5305244"/>
-          </a:xfrm>
-        </p:spPr>
-        <p:txBody>
-          <a:bodyPr/>
-          <a:lstStyle/>
+        <p:spPr/>
+        <p:txBody>
+          <a:bodyPr>
+            <a:normAutofit/>
+          </a:bodyPr>
+          <a:lstStyle/>
+          <a:p>
+            <a:r>
+              <a:rPr lang="es-MX" dirty="0" smtClean="0"/>
+              <a:t>Formación de relaciones causales.</a:t>
+            </a:r>
+          </a:p>
           <a:p>
             <a:endParaRPr lang="es-MX" dirty="0" smtClean="0"/>
           </a:p>
           <a:p>
+            <a:pPr lvl="1"/>
             <a:r>
               <a:rPr lang="es-MX" dirty="0" smtClean="0"/>
-              <a:t>Determinar qué tan probable es que ocurra un evento X</a:t>
-            </a:r>
-          </a:p>
-          <a:p>
-            <a:endParaRPr lang="es-MX" dirty="0"/>
-          </a:p>
-          <a:p>
-            <a:pPr lvl="1"/>
-            <a:r>
-              <a:rPr lang="es-MX" dirty="0" smtClean="0"/>
-              <a:t>Lidiar contra la incertidumbre</a:t>
+              <a:t>¿A qué de mi entorno le atribuyo la ocurrencia de cierto evento?</a:t>
             </a:r>
           </a:p>
           <a:p>
@@ -12152,18 +11848,88 @@
           </a:p>
           <a:p>
             <a:pPr lvl="1"/>
+            <a:endParaRPr lang="es-MX" dirty="0" smtClean="0"/>
+          </a:p>
+          <a:p>
+            <a:pPr marL="457200" lvl="1" indent="0">
+              <a:buNone/>
+            </a:pPr>
             <a:r>
               <a:rPr lang="es-MX" dirty="0" smtClean="0"/>
-              <a:t>Resolver el problema de la Asignación de Crédito</a:t>
+              <a:t>		Ejemplos:</a:t>
+            </a:r>
+          </a:p>
+          <a:p>
+            <a:pPr marL="457200" lvl="1" indent="0">
+              <a:buNone/>
+            </a:pPr>
+            <a:r>
+              <a:rPr lang="es-MX" dirty="0"/>
+              <a:t>	</a:t>
+            </a:r>
+            <a:r>
+              <a:rPr lang="es-MX" dirty="0" smtClean="0"/>
+              <a:t>		Mi novio está enojado  ------ &gt; </a:t>
+            </a:r>
+            <a:r>
+              <a:rPr lang="es-MX" b="1" dirty="0" smtClean="0"/>
+              <a:t>¿Qué hice?</a:t>
+            </a:r>
+          </a:p>
+          <a:p>
+            <a:pPr marL="457200" lvl="1" indent="0">
+              <a:buNone/>
+            </a:pPr>
+            <a:r>
+              <a:rPr lang="es-MX" dirty="0" smtClean="0"/>
+              <a:t>			</a:t>
             </a:r>
             <a:endParaRPr lang="es-MX" dirty="0"/>
+          </a:p>
+          <a:p>
+            <a:pPr marL="457200" lvl="1" indent="0">
+              <a:buNone/>
+            </a:pPr>
+            <a:r>
+              <a:rPr lang="es-MX" dirty="0" smtClean="0"/>
+              <a:t>			 Me duele el estómago -------</a:t>
+            </a:r>
+            <a:r>
+              <a:rPr lang="es-MX" dirty="0" smtClean="0">
+                <a:sym typeface="Wingdings" panose="05000000000000000000" pitchFamily="2" charset="2"/>
+              </a:rPr>
+              <a:t>- </a:t>
+            </a:r>
+            <a:r>
+              <a:rPr lang="es-MX" b="1" dirty="0" smtClean="0">
+                <a:sym typeface="Wingdings" panose="05000000000000000000" pitchFamily="2" charset="2"/>
+              </a:rPr>
+              <a:t>&gt;  </a:t>
+            </a:r>
+            <a:r>
+              <a:rPr lang="es-MX" b="1" dirty="0" smtClean="0"/>
+              <a:t>¿Qué me hizo daño?</a:t>
+            </a:r>
+          </a:p>
+          <a:p>
+            <a:pPr marL="457200" lvl="1" indent="0">
+              <a:buNone/>
+            </a:pPr>
+            <a:r>
+              <a:rPr lang="es-MX" dirty="0"/>
+              <a:t>	</a:t>
+            </a:r>
+            <a:r>
+              <a:rPr lang="es-MX" dirty="0" smtClean="0"/>
+              <a:t>		</a:t>
+            </a:r>
           </a:p>
         </p:txBody>
       </p:sp>
     </p:spTree>
     <p:extLst>
       <p:ext uri="{BB962C8B-B14F-4D97-AF65-F5344CB8AC3E}">
-        <p14:creationId xmlns:p14="http://schemas.microsoft.com/office/powerpoint/2010/main" val="3578656673"/>
+        <p14:creationId xmlns:p14="http://schemas.microsoft.com/office/powerpoint/2010/main" val="3099045193"/>
       </p:ext>
     </p:extLst>
   </p:cSld>
@@ -12199,7 +11965,7 @@
       </p:grpSpPr>
       <p:sp>
         <p:nvSpPr>
-          <p:cNvPr id="2" name="Título 1"/>
+          <p:cNvPr id="7" name="6 Título"/>
           <p:cNvSpPr>
             <a:spLocks noGrp="1"/>
           </p:cNvSpPr>
@@ -12207,17 +11973,11 @@
             <p:ph type="title"/>
           </p:nvPr>
         </p:nvSpPr>
-        <p:spPr>
-          <a:xfrm>
-            <a:off x="838200" y="365126"/>
-            <a:ext cx="10515600" cy="851200"/>
-          </a:xfrm>
-        </p:spPr>
+        <p:spPr/>
         <p:txBody>
           <a:bodyPr/>
           <a:lstStyle/>
           <a:p>
-            <a:pPr algn="ctr"/>
             <a:r>
               <a:rPr lang="es-MX" b="1" dirty="0" smtClean="0">
                 <a:effectLst>
@@ -12228,15 +11988,23 @@
                   </a:outerShdw>
                 </a:effectLst>
               </a:rPr>
-              <a:t>Inferencia Probabilística</a:t>
-            </a:r>
-            <a:endParaRPr lang="es-MX" dirty="0"/>
-          </a:p>
-        </p:txBody>
-      </p:sp>
-      <p:sp>
-        <p:nvSpPr>
-          <p:cNvPr id="3" name="Marcador de contenido 2"/>
+              <a:t>La asignación de crédito como un cómputo de probabilidades condicionales.</a:t>
+            </a:r>
+            <a:endParaRPr lang="es-MX" b="1" dirty="0">
+              <a:effectLst>
+                <a:outerShdw blurRad="38100" dist="38100" dir="2700000" algn="tl">
+                  <a:srgbClr val="000000">
+                    <a:alpha val="43137"/>
+                  </a:srgbClr>
+                </a:outerShdw>
+              </a:effectLst>
+            </a:endParaRPr>
+          </a:p>
+        </p:txBody>
+      </p:sp>
+      <p:sp>
+        <p:nvSpPr>
+          <p:cNvPr id="8" name="7 Marcador de contenido"/>
           <p:cNvSpPr>
             <a:spLocks noGrp="1"/>
           </p:cNvSpPr>
@@ -12244,32 +12012,30 @@
             <p:ph idx="1"/>
           </p:nvPr>
         </p:nvSpPr>
-        <p:spPr>
-          <a:xfrm>
-            <a:off x="838200" y="1216326"/>
-            <a:ext cx="10515600" cy="5305244"/>
-          </a:xfrm>
-        </p:spPr>
+        <p:spPr/>
         <p:txBody>
           <a:bodyPr/>
           <a:lstStyle/>
           <a:p>
-            <a:endParaRPr lang="es-MX" dirty="0" smtClean="0"/>
-          </a:p>
-          <a:p>
             <a:r>
               <a:rPr lang="es-MX" dirty="0" smtClean="0"/>
-              <a:t>Determinar qué tan probable es que ocurra un evento X</a:t>
+              <a:t>¿De qué manera observar ciertos elementos en el ambiente alteran la probabilidad de observar ciertos eventos?</a:t>
             </a:r>
           </a:p>
           <a:p>
             <a:endParaRPr lang="es-MX" dirty="0"/>
           </a:p>
           <a:p>
+            <a:r>
+              <a:rPr lang="es-MX" dirty="0" smtClean="0"/>
+              <a:t>Sesgos (Prior)</a:t>
+            </a:r>
+          </a:p>
+          <a:p>
             <a:pPr lvl="1"/>
             <a:r>
               <a:rPr lang="es-MX" dirty="0" smtClean="0"/>
-              <a:t>Lidiar contra la incertidumbre</a:t>
+              <a:t>Si me duele el estómago 	Estímulo  Auditivo      vs       Alimento ingerido</a:t>
             </a:r>
           </a:p>
           <a:p>
@@ -12279,17 +12045,17 @@
           <a:p>
             <a:pPr lvl="1"/>
             <a:r>
-              <a:rPr lang="es-MX" b="1" u="sng" dirty="0" smtClean="0"/>
-              <a:t>Resolver el problema de la Asignación de Crédito</a:t>
-            </a:r>
-            <a:endParaRPr lang="es-MX" b="1" u="sng" dirty="0"/>
+              <a:rPr lang="es-MX" dirty="0" smtClean="0"/>
+              <a:t>Si me dan un choque eléctrico 		Estímulo auditivo vs Alimento ingerido</a:t>
+            </a:r>
+            <a:endParaRPr lang="es-MX" dirty="0"/>
           </a:p>
         </p:txBody>
       </p:sp>
     </p:spTree>
     <p:extLst>
       <p:ext uri="{BB962C8B-B14F-4D97-AF65-F5344CB8AC3E}">
-        <p14:creationId xmlns:p14="http://schemas.microsoft.com/office/powerpoint/2010/main" val="3717439173"/>
+        <p14:creationId xmlns:p14="http://schemas.microsoft.com/office/powerpoint/2010/main" val="619678920"/>
       </p:ext>
     </p:extLst>
   </p:cSld>
@@ -12299,7 +12065,141 @@
   <p:timing>
     <p:tnLst>
       <p:par>
-        <p:cTn id="1" dur="indefinite" restart="never" nodeType="tmRoot"/>
+        <p:cTn id="1" dur="indefinite" restart="never" nodeType="tmRoot">
+          <p:childTnLst>
+            <p:seq concurrent="1" nextAc="seek">
+              <p:cTn id="2" dur="indefinite" nodeType="mainSeq">
+                <p:childTnLst>
+                  <p:par>
+                    <p:cTn id="3" fill="hold">
+                      <p:stCondLst>
+                        <p:cond delay="indefinite"/>
+                      </p:stCondLst>
+                      <p:childTnLst>
+                        <p:par>
+                          <p:cTn id="4" fill="hold">
+                            <p:stCondLst>
+                              <p:cond delay="0"/>
+                            </p:stCondLst>
+                            <p:childTnLst>
+                              <p:par>
+                                <p:cTn id="5" presetID="1" presetClass="entr" presetSubtype="0" fill="hold" nodeType="clickEffect">
+                                  <p:stCondLst>
+                                    <p:cond delay="0"/>
+                                  </p:stCondLst>
+                                  <p:childTnLst>
+                                    <p:set>
+                                      <p:cBhvr>
+                                        <p:cTn id="6" dur="1" fill="hold">
+                                          <p:stCondLst>
+                                            <p:cond delay="0"/>
+                                          </p:stCondLst>
+                                        </p:cTn>
+                                        <p:tgtEl>
+                                          <p:spTgt spid="8">
+                                            <p:txEl>
+                                              <p:pRg st="2" end="2"/>
+                                            </p:txEl>
+                                          </p:spTgt>
+                                        </p:tgtEl>
+                                        <p:attrNameLst>
+                                          <p:attrName>style.visibility</p:attrName>
+                                        </p:attrNameLst>
+                                      </p:cBhvr>
+                                      <p:to>
+                                        <p:strVal val="visible"/>
+                                      </p:to>
+                                    </p:set>
+                                  </p:childTnLst>
+                                </p:cTn>
+                              </p:par>
+                              <p:par>
+                                <p:cTn id="7" presetID="1" presetClass="entr" presetSubtype="0" fill="hold" nodeType="withEffect">
+                                  <p:stCondLst>
+                                    <p:cond delay="0"/>
+                                  </p:stCondLst>
+                                  <p:childTnLst>
+                                    <p:set>
+                                      <p:cBhvr>
+                                        <p:cTn id="8" dur="1" fill="hold">
+                                          <p:stCondLst>
+                                            <p:cond delay="0"/>
+                                          </p:stCondLst>
+                                        </p:cTn>
+                                        <p:tgtEl>
+                                          <p:spTgt spid="8">
+                                            <p:txEl>
+                                              <p:pRg st="3" end="3"/>
+                                            </p:txEl>
+                                          </p:spTgt>
+                                        </p:tgtEl>
+                                        <p:attrNameLst>
+                                          <p:attrName>style.visibility</p:attrName>
+                                        </p:attrNameLst>
+                                      </p:cBhvr>
+                                      <p:to>
+                                        <p:strVal val="visible"/>
+                                      </p:to>
+                                    </p:set>
+                                  </p:childTnLst>
+                                </p:cTn>
+                              </p:par>
+                              <p:par>
+                                <p:cTn id="9" presetID="1" presetClass="entr" presetSubtype="0" fill="hold" nodeType="withEffect">
+                                  <p:stCondLst>
+                                    <p:cond delay="0"/>
+                                  </p:stCondLst>
+                                  <p:childTnLst>
+                                    <p:set>
+                                      <p:cBhvr>
+                                        <p:cTn id="10" dur="1" fill="hold">
+                                          <p:stCondLst>
+                                            <p:cond delay="0"/>
+                                          </p:stCondLst>
+                                        </p:cTn>
+                                        <p:tgtEl>
+                                          <p:spTgt spid="8">
+                                            <p:txEl>
+                                              <p:pRg st="5" end="5"/>
+                                            </p:txEl>
+                                          </p:spTgt>
+                                        </p:tgtEl>
+                                        <p:attrNameLst>
+                                          <p:attrName>style.visibility</p:attrName>
+                                        </p:attrNameLst>
+                                      </p:cBhvr>
+                                      <p:to>
+                                        <p:strVal val="visible"/>
+                                      </p:to>
+                                    </p:set>
+                                  </p:childTnLst>
+                                </p:cTn>
+                              </p:par>
+                            </p:childTnLst>
+                          </p:cTn>
+                        </p:par>
+                      </p:childTnLst>
+                    </p:cTn>
+                  </p:par>
+                </p:childTnLst>
+              </p:cTn>
+              <p:prevCondLst>
+                <p:cond evt="onPrev" delay="0">
+                  <p:tgtEl>
+                    <p:sldTgt/>
+                  </p:tgtEl>
+                </p:cond>
+              </p:prevCondLst>
+              <p:nextCondLst>
+                <p:cond evt="onNext" delay="0">
+                  <p:tgtEl>
+                    <p:sldTgt/>
+                  </p:tgtEl>
+                </p:cond>
+              </p:nextCondLst>
+            </p:seq>
+          </p:childTnLst>
+        </p:cTn>
       </p:par>
     </p:tnLst>
   </p:timing>
@@ -12307,325 +12207,6 @@
 </file>
 
 <file path=ppt/slides/slide29.xml><?xml version="1.0" encoding="utf-8"?>
-<p:sld xmlns:a="http://schemas.openxmlformats.org/drawingml/2006/main" xmlns:r="http://schemas.openxmlformats.org/officeDocument/2006/relationships" xmlns:p="http://schemas.openxmlformats.org/presentationml/2006/main">
-  <p:cSld>
-    <p:spTree>
-      <p:nvGrpSpPr>
-        <p:cNvPr id="1" name=""/>
-        <p:cNvGrpSpPr/>
-        <p:nvPr/>
-      </p:nvGrpSpPr>
-      <p:grpSpPr>
-        <a:xfrm>
-          <a:off x="0" y="0"/>
-          <a:ext cx="0" cy="0"/>
-          <a:chOff x="0" y="0"/>
-          <a:chExt cx="0" cy="0"/>
-        </a:xfrm>
-      </p:grpSpPr>
-      <p:sp>
-        <p:nvSpPr>
-          <p:cNvPr id="2" name="Título 1"/>
-          <p:cNvSpPr>
-            <a:spLocks noGrp="1"/>
-          </p:cNvSpPr>
-          <p:nvPr>
-            <p:ph type="title"/>
-          </p:nvPr>
-        </p:nvSpPr>
-        <p:spPr/>
-        <p:txBody>
-          <a:bodyPr/>
-          <a:lstStyle/>
-          <a:p>
-            <a:pPr algn="ctr"/>
-            <a:r>
-              <a:rPr lang="es-MX" b="1" dirty="0" smtClean="0">
-                <a:effectLst>
-                  <a:outerShdw blurRad="38100" dist="38100" dir="2700000" algn="tl">
-                    <a:srgbClr val="000000">
-                      <a:alpha val="43137"/>
-                    </a:srgbClr>
-                  </a:outerShdw>
-                </a:effectLst>
-              </a:rPr>
-              <a:t>Asignación de crédito</a:t>
-            </a:r>
-            <a:endParaRPr lang="es-MX" b="1" dirty="0">
-              <a:effectLst>
-                <a:outerShdw blurRad="38100" dist="38100" dir="2700000" algn="tl">
-                  <a:srgbClr val="000000">
-                    <a:alpha val="43137"/>
-                  </a:srgbClr>
-                </a:outerShdw>
-              </a:effectLst>
-            </a:endParaRPr>
-          </a:p>
-        </p:txBody>
-      </p:sp>
-      <p:sp>
-        <p:nvSpPr>
-          <p:cNvPr id="3" name="Marcador de contenido 2"/>
-          <p:cNvSpPr>
-            <a:spLocks noGrp="1"/>
-          </p:cNvSpPr>
-          <p:nvPr>
-            <p:ph idx="1"/>
-          </p:nvPr>
-        </p:nvSpPr>
-        <p:spPr/>
-        <p:txBody>
-          <a:bodyPr>
-            <a:normAutofit/>
-          </a:bodyPr>
-          <a:lstStyle/>
-          <a:p>
-            <a:r>
-              <a:rPr lang="es-MX" dirty="0" smtClean="0"/>
-              <a:t>Formación de relaciones causales.</a:t>
-            </a:r>
-          </a:p>
-          <a:p>
-            <a:endParaRPr lang="es-MX" dirty="0" smtClean="0"/>
-          </a:p>
-          <a:p>
-            <a:pPr lvl="1"/>
-            <a:r>
-              <a:rPr lang="es-MX" dirty="0" smtClean="0"/>
-              <a:t>¿A qué de mi entorno le atribuyo la ocurrencia de cierto evento?</a:t>
-            </a:r>
-          </a:p>
-          <a:p>
-            <a:pPr lvl="1"/>
-            <a:endParaRPr lang="es-MX" dirty="0"/>
-          </a:p>
-          <a:p>
-            <a:pPr lvl="1"/>
-            <a:endParaRPr lang="es-MX" dirty="0" smtClean="0"/>
-          </a:p>
-          <a:p>
-            <a:pPr marL="457200" lvl="1" indent="0">
-              <a:buNone/>
-            </a:pPr>
-            <a:r>
-              <a:rPr lang="es-MX" dirty="0" smtClean="0"/>
-              <a:t>		Ejemplos:</a:t>
-            </a:r>
-          </a:p>
-          <a:p>
-            <a:pPr marL="457200" lvl="1" indent="0">
-              <a:buNone/>
-            </a:pPr>
-            <a:r>
-              <a:rPr lang="es-MX" dirty="0"/>
-              <a:t>	</a:t>
-            </a:r>
-            <a:r>
-              <a:rPr lang="es-MX" dirty="0" smtClean="0"/>
-              <a:t>		Mi novio está enojado  ------ &gt; </a:t>
-            </a:r>
-            <a:r>
-              <a:rPr lang="es-MX" b="1" dirty="0" smtClean="0"/>
-              <a:t>¿Qué hice?</a:t>
-            </a:r>
-          </a:p>
-          <a:p>
-            <a:pPr marL="457200" lvl="1" indent="0">
-              <a:buNone/>
-            </a:pPr>
-            <a:r>
-              <a:rPr lang="es-MX" dirty="0" smtClean="0"/>
-              <a:t>			</a:t>
-            </a:r>
-            <a:endParaRPr lang="es-MX" dirty="0"/>
-          </a:p>
-          <a:p>
-            <a:pPr marL="457200" lvl="1" indent="0">
-              <a:buNone/>
-            </a:pPr>
-            <a:r>
-              <a:rPr lang="es-MX" dirty="0" smtClean="0"/>
-              <a:t>			 Me duele el estómago -------</a:t>
-            </a:r>
-            <a:r>
-              <a:rPr lang="es-MX" dirty="0" smtClean="0">
-                <a:sym typeface="Wingdings" panose="05000000000000000000" pitchFamily="2" charset="2"/>
-              </a:rPr>
-              <a:t>- </a:t>
-            </a:r>
-            <a:r>
-              <a:rPr lang="es-MX" b="1" dirty="0" smtClean="0">
-                <a:sym typeface="Wingdings" panose="05000000000000000000" pitchFamily="2" charset="2"/>
-              </a:rPr>
-              <a:t>&gt;  </a:t>
-            </a:r>
-            <a:r>
-              <a:rPr lang="es-MX" b="1" dirty="0" smtClean="0"/>
-              <a:t>¿Qué me hizo daño?</a:t>
-            </a:r>
-          </a:p>
-          <a:p>
-            <a:pPr marL="457200" lvl="1" indent="0">
-              <a:buNone/>
-            </a:pPr>
-            <a:r>
-              <a:rPr lang="es-MX" dirty="0"/>
-              <a:t>	</a:t>
-            </a:r>
-            <a:r>
-              <a:rPr lang="es-MX" dirty="0" smtClean="0"/>
-              <a:t>		</a:t>
-            </a:r>
-          </a:p>
-        </p:txBody>
-      </p:sp>
-    </p:spTree>
-    <p:extLst>
-      <p:ext uri="{BB962C8B-B14F-4D97-AF65-F5344CB8AC3E}">
-        <p14:creationId xmlns:p14="http://schemas.microsoft.com/office/powerpoint/2010/main" val="3099045193"/>
-      </p:ext>
-    </p:extLst>
-  </p:cSld>
-  <p:clrMapOvr>
-    <a:masterClrMapping/>
-  </p:clrMapOvr>
-  <p:timing>
-    <p:tnLst>
-      <p:par>
-        <p:cTn id="1" dur="indefinite" restart="never" nodeType="tmRoot"/>
-      </p:par>
-    </p:tnLst>
-  </p:timing>
-</p:sld>
-</file>
-
-<file path=ppt/slides/slide3.xml><?xml version="1.0" encoding="utf-8"?>
-<p:sld xmlns:a="http://schemas.openxmlformats.org/drawingml/2006/main" xmlns:r="http://schemas.openxmlformats.org/officeDocument/2006/relationships" xmlns:p="http://schemas.openxmlformats.org/presentationml/2006/main">
-  <p:cSld>
-    <p:spTree>
-      <p:nvGrpSpPr>
-        <p:cNvPr id="1" name=""/>
-        <p:cNvGrpSpPr/>
-        <p:nvPr/>
-      </p:nvGrpSpPr>
-      <p:grpSpPr>
-        <a:xfrm>
-          <a:off x="0" y="0"/>
-          <a:ext cx="0" cy="0"/>
-          <a:chOff x="0" y="0"/>
-          <a:chExt cx="0" cy="0"/>
-        </a:xfrm>
-      </p:grpSpPr>
-      <p:sp>
-        <p:nvSpPr>
-          <p:cNvPr id="2" name="Título 1"/>
-          <p:cNvSpPr>
-            <a:spLocks noGrp="1"/>
-          </p:cNvSpPr>
-          <p:nvPr>
-            <p:ph type="title"/>
-          </p:nvPr>
-        </p:nvSpPr>
-        <p:spPr>
-          <a:xfrm>
-            <a:off x="838200" y="365126"/>
-            <a:ext cx="10515600" cy="851200"/>
-          </a:xfrm>
-        </p:spPr>
-        <p:txBody>
-          <a:bodyPr/>
-          <a:lstStyle/>
-          <a:p>
-            <a:pPr algn="ctr"/>
-            <a:r>
-              <a:rPr lang="es-MX" b="1" dirty="0" smtClean="0">
-                <a:effectLst>
-                  <a:outerShdw blurRad="38100" dist="38100" dir="2700000" algn="tl">
-                    <a:srgbClr val="000000">
-                      <a:alpha val="43137"/>
-                    </a:srgbClr>
-                  </a:outerShdw>
-                </a:effectLst>
-              </a:rPr>
-              <a:t>Inferencia Probabilística</a:t>
-            </a:r>
-            <a:endParaRPr lang="es-MX" dirty="0"/>
-          </a:p>
-        </p:txBody>
-      </p:sp>
-      <p:sp>
-        <p:nvSpPr>
-          <p:cNvPr id="3" name="Marcador de contenido 2"/>
-          <p:cNvSpPr>
-            <a:spLocks noGrp="1"/>
-          </p:cNvSpPr>
-          <p:nvPr>
-            <p:ph idx="1"/>
-          </p:nvPr>
-        </p:nvSpPr>
-        <p:spPr>
-          <a:xfrm>
-            <a:off x="838200" y="1216326"/>
-            <a:ext cx="10515600" cy="5305244"/>
-          </a:xfrm>
-        </p:spPr>
-        <p:txBody>
-          <a:bodyPr/>
-          <a:lstStyle/>
-          <a:p>
-            <a:endParaRPr lang="es-MX" dirty="0" smtClean="0"/>
-          </a:p>
-          <a:p>
-            <a:r>
-              <a:rPr lang="es-MX" b="1" u="sng" dirty="0" smtClean="0"/>
-              <a:t>Determinar qué tan probable es que ocurra un evento X</a:t>
-            </a:r>
-          </a:p>
-          <a:p>
-            <a:endParaRPr lang="es-MX" dirty="0"/>
-          </a:p>
-          <a:p>
-            <a:pPr lvl="1"/>
-            <a:r>
-              <a:rPr lang="es-MX" dirty="0" smtClean="0"/>
-              <a:t>Lidiar contra la incertidumbre</a:t>
-            </a:r>
-          </a:p>
-          <a:p>
-            <a:pPr lvl="1"/>
-            <a:endParaRPr lang="es-MX" dirty="0"/>
-          </a:p>
-          <a:p>
-            <a:pPr lvl="1"/>
-            <a:r>
-              <a:rPr lang="es-MX" dirty="0" smtClean="0"/>
-              <a:t>Resolver el problema de la Asignación de Crédito</a:t>
-            </a:r>
-            <a:endParaRPr lang="es-MX" dirty="0"/>
-          </a:p>
-        </p:txBody>
-      </p:sp>
-    </p:spTree>
-    <p:extLst>
-      <p:ext uri="{BB962C8B-B14F-4D97-AF65-F5344CB8AC3E}">
-        <p14:creationId xmlns:p14="http://schemas.microsoft.com/office/powerpoint/2010/main" val="3194021325"/>
-      </p:ext>
-    </p:extLst>
-  </p:cSld>
-  <p:clrMapOvr>
-    <a:masterClrMapping/>
-  </p:clrMapOvr>
-  <p:timing>
-    <p:tnLst>
-      <p:par>
-        <p:cTn id="1" dur="indefinite" restart="never" nodeType="tmRoot"/>
-      </p:par>
-    </p:tnLst>
-  </p:timing>
-</p:sld>
-</file>
-
-<file path=ppt/slides/slide30.xml><?xml version="1.0" encoding="utf-8"?>
 <p:sld xmlns:a="http://schemas.openxmlformats.org/drawingml/2006/main" xmlns:r="http://schemas.openxmlformats.org/officeDocument/2006/relationships" xmlns:p="http://schemas.openxmlformats.org/presentationml/2006/main">
   <p:cSld>
     <p:spTree>
@@ -12994,7 +12575,133 @@
 </p:sld>
 </file>
 
-<file path=ppt/slides/slide31.xml><?xml version="1.0" encoding="utf-8"?>
+<file path=ppt/slides/slide3.xml><?xml version="1.0" encoding="utf-8"?>
+<p:sld xmlns:a="http://schemas.openxmlformats.org/drawingml/2006/main" xmlns:r="http://schemas.openxmlformats.org/officeDocument/2006/relationships" xmlns:p="http://schemas.openxmlformats.org/presentationml/2006/main">
+  <p:cSld>
+    <p:spTree>
+      <p:nvGrpSpPr>
+        <p:cNvPr id="1" name=""/>
+        <p:cNvGrpSpPr/>
+        <p:nvPr/>
+      </p:nvGrpSpPr>
+      <p:grpSpPr>
+        <a:xfrm>
+          <a:off x="0" y="0"/>
+          <a:ext cx="0" cy="0"/>
+          <a:chOff x="0" y="0"/>
+          <a:chExt cx="0" cy="0"/>
+        </a:xfrm>
+      </p:grpSpPr>
+      <p:sp>
+        <p:nvSpPr>
+          <p:cNvPr id="2" name="Título 1"/>
+          <p:cNvSpPr>
+            <a:spLocks noGrp="1"/>
+          </p:cNvSpPr>
+          <p:nvPr>
+            <p:ph type="title"/>
+          </p:nvPr>
+        </p:nvSpPr>
+        <p:spPr>
+          <a:xfrm>
+            <a:off x="838200" y="365126"/>
+            <a:ext cx="10515600" cy="851200"/>
+          </a:xfrm>
+        </p:spPr>
+        <p:txBody>
+          <a:bodyPr/>
+          <a:lstStyle/>
+          <a:p>
+            <a:pPr algn="ctr"/>
+            <a:r>
+              <a:rPr lang="es-MX" b="1" dirty="0" smtClean="0">
+                <a:effectLst>
+                  <a:outerShdw blurRad="38100" dist="38100" dir="2700000" algn="tl">
+                    <a:srgbClr val="000000">
+                      <a:alpha val="43137"/>
+                    </a:srgbClr>
+                  </a:outerShdw>
+                </a:effectLst>
+              </a:rPr>
+              <a:t>Inferencia Probabilística</a:t>
+            </a:r>
+            <a:endParaRPr lang="es-MX" dirty="0"/>
+          </a:p>
+        </p:txBody>
+      </p:sp>
+      <p:sp>
+        <p:nvSpPr>
+          <p:cNvPr id="3" name="Marcador de contenido 2"/>
+          <p:cNvSpPr>
+            <a:spLocks noGrp="1"/>
+          </p:cNvSpPr>
+          <p:nvPr>
+            <p:ph idx="1"/>
+          </p:nvPr>
+        </p:nvSpPr>
+        <p:spPr>
+          <a:xfrm>
+            <a:off x="838200" y="1216326"/>
+            <a:ext cx="10515600" cy="5305244"/>
+          </a:xfrm>
+        </p:spPr>
+        <p:txBody>
+          <a:bodyPr/>
+          <a:lstStyle/>
+          <a:p>
+            <a:endParaRPr lang="es-MX" dirty="0" smtClean="0"/>
+          </a:p>
+          <a:p>
+            <a:r>
+              <a:rPr lang="es-MX" b="1" u="sng" dirty="0" smtClean="0"/>
+              <a:t>Determinar qué tan probable es que ocurra un evento X</a:t>
+            </a:r>
+          </a:p>
+          <a:p>
+            <a:endParaRPr lang="es-MX" dirty="0"/>
+          </a:p>
+          <a:p>
+            <a:pPr lvl="1"/>
+            <a:r>
+              <a:rPr lang="es-MX" dirty="0" smtClean="0"/>
+              <a:t>Lidiar contra la incertidumbre</a:t>
+            </a:r>
+          </a:p>
+          <a:p>
+            <a:pPr lvl="1"/>
+            <a:endParaRPr lang="es-MX" dirty="0"/>
+          </a:p>
+          <a:p>
+            <a:pPr lvl="1"/>
+            <a:r>
+              <a:rPr lang="es-MX" dirty="0" smtClean="0"/>
+              <a:t>Resolver el problema de la Asignación de Crédito</a:t>
+            </a:r>
+            <a:endParaRPr lang="es-MX" dirty="0"/>
+          </a:p>
+        </p:txBody>
+      </p:sp>
+    </p:spTree>
+    <p:extLst>
+      <p:ext uri="{BB962C8B-B14F-4D97-AF65-F5344CB8AC3E}">
+        <p14:creationId xmlns:p14="http://schemas.microsoft.com/office/powerpoint/2010/main" val="3194021325"/>
+      </p:ext>
+    </p:extLst>
+  </p:cSld>
+  <p:clrMapOvr>
+    <a:masterClrMapping/>
+  </p:clrMapOvr>
+  <p:timing>
+    <p:tnLst>
+      <p:par>
+        <p:cTn id="1" dur="indefinite" restart="never" nodeType="tmRoot"/>
+      </p:par>
+    </p:tnLst>
+  </p:timing>
+</p:sld>
+</file>
+
+<file path=ppt/slides/slide30.xml><?xml version="1.0" encoding="utf-8"?>
 <p:sld xmlns:a="http://schemas.openxmlformats.org/drawingml/2006/main" xmlns:r="http://schemas.openxmlformats.org/officeDocument/2006/relationships" xmlns:p="http://schemas.openxmlformats.org/presentationml/2006/main">
   <p:cSld>
     <p:spTree>
@@ -13408,7 +13115,7 @@
 </p:sld>
 </file>
 
-<file path=ppt/slides/slide32.xml><?xml version="1.0" encoding="utf-8"?>
+<file path=ppt/slides/slide31.xml><?xml version="1.0" encoding="utf-8"?>
 <p:sld xmlns:a="http://schemas.openxmlformats.org/drawingml/2006/main" xmlns:r="http://schemas.openxmlformats.org/officeDocument/2006/relationships" xmlns:p="http://schemas.openxmlformats.org/presentationml/2006/main">
   <p:cSld>
     <p:spTree>
@@ -13987,342 +13694,7 @@
 </p:sld>
 </file>
 
-<file path=ppt/slides/slide33.xml><?xml version="1.0" encoding="utf-8"?>
-<p:sld xmlns:a="http://schemas.openxmlformats.org/drawingml/2006/main" xmlns:r="http://schemas.openxmlformats.org/officeDocument/2006/relationships" xmlns:p="http://schemas.openxmlformats.org/presentationml/2006/main">
-  <p:cSld>
-    <p:spTree>
-      <p:nvGrpSpPr>
-        <p:cNvPr id="1" name=""/>
-        <p:cNvGrpSpPr/>
-        <p:nvPr/>
-      </p:nvGrpSpPr>
-      <p:grpSpPr>
-        <a:xfrm>
-          <a:off x="0" y="0"/>
-          <a:ext cx="0" cy="0"/>
-          <a:chOff x="0" y="0"/>
-          <a:chExt cx="0" cy="0"/>
-        </a:xfrm>
-      </p:grpSpPr>
-      <p:sp>
-        <p:nvSpPr>
-          <p:cNvPr id="2" name="1 Título"/>
-          <p:cNvSpPr>
-            <a:spLocks noGrp="1"/>
-          </p:cNvSpPr>
-          <p:nvPr>
-            <p:ph type="title"/>
-          </p:nvPr>
-        </p:nvSpPr>
-        <p:spPr/>
-        <p:txBody>
-          <a:bodyPr/>
-          <a:lstStyle/>
-          <a:p>
-            <a:endParaRPr lang="es-MX"/>
-          </a:p>
-        </p:txBody>
-      </p:sp>
-      <p:sp>
-        <p:nvSpPr>
-          <p:cNvPr id="3" name="2 Marcador de contenido"/>
-          <p:cNvSpPr>
-            <a:spLocks noGrp="1"/>
-          </p:cNvSpPr>
-          <p:nvPr>
-            <p:ph idx="1"/>
-          </p:nvPr>
-        </p:nvSpPr>
-        <p:spPr/>
-        <p:txBody>
-          <a:bodyPr/>
-          <a:lstStyle/>
-          <a:p>
-            <a:endParaRPr lang="es-MX"/>
-          </a:p>
-        </p:txBody>
-      </p:sp>
-    </p:spTree>
-    <p:extLst>
-      <p:ext uri="{BB962C8B-B14F-4D97-AF65-F5344CB8AC3E}">
-        <p14:creationId xmlns:p14="http://schemas.microsoft.com/office/powerpoint/2010/main" val="666437063"/>
-      </p:ext>
-    </p:extLst>
-  </p:cSld>
-  <p:clrMapOvr>
-    <a:masterClrMapping/>
-  </p:clrMapOvr>
-  <p:timing>
-    <p:tnLst>
-      <p:par>
-        <p:cTn id="1" dur="indefinite" restart="never" nodeType="tmRoot"/>
-      </p:par>
-    </p:tnLst>
-  </p:timing>
-</p:sld>
-</file>
-
-<file path=ppt/slides/slide34.xml><?xml version="1.0" encoding="utf-8"?>
-<p:sld xmlns:a="http://schemas.openxmlformats.org/drawingml/2006/main" xmlns:r="http://schemas.openxmlformats.org/officeDocument/2006/relationships" xmlns:p="http://schemas.openxmlformats.org/presentationml/2006/main">
-  <p:cSld>
-    <p:spTree>
-      <p:nvGrpSpPr>
-        <p:cNvPr id="1" name=""/>
-        <p:cNvGrpSpPr/>
-        <p:nvPr/>
-      </p:nvGrpSpPr>
-      <p:grpSpPr>
-        <a:xfrm>
-          <a:off x="0" y="0"/>
-          <a:ext cx="0" cy="0"/>
-          <a:chOff x="0" y="0"/>
-          <a:chExt cx="0" cy="0"/>
-        </a:xfrm>
-      </p:grpSpPr>
-      <p:sp>
-        <p:nvSpPr>
-          <p:cNvPr id="7" name="6 Título"/>
-          <p:cNvSpPr>
-            <a:spLocks noGrp="1"/>
-          </p:cNvSpPr>
-          <p:nvPr>
-            <p:ph type="title"/>
-          </p:nvPr>
-        </p:nvSpPr>
-        <p:spPr/>
-        <p:txBody>
-          <a:bodyPr/>
-          <a:lstStyle/>
-          <a:p>
-            <a:r>
-              <a:rPr lang="es-MX" b="1" dirty="0" smtClean="0">
-                <a:effectLst>
-                  <a:outerShdw blurRad="38100" dist="38100" dir="2700000" algn="tl">
-                    <a:srgbClr val="000000">
-                      <a:alpha val="43137"/>
-                    </a:srgbClr>
-                  </a:outerShdw>
-                </a:effectLst>
-              </a:rPr>
-              <a:t>La asignación de crédito como un cómputo de probabilidades condicionales.</a:t>
-            </a:r>
-            <a:endParaRPr lang="es-MX" b="1" dirty="0">
-              <a:effectLst>
-                <a:outerShdw blurRad="38100" dist="38100" dir="2700000" algn="tl">
-                  <a:srgbClr val="000000">
-                    <a:alpha val="43137"/>
-                  </a:srgbClr>
-                </a:outerShdw>
-              </a:effectLst>
-            </a:endParaRPr>
-          </a:p>
-        </p:txBody>
-      </p:sp>
-      <p:sp>
-        <p:nvSpPr>
-          <p:cNvPr id="8" name="7 Marcador de contenido"/>
-          <p:cNvSpPr>
-            <a:spLocks noGrp="1"/>
-          </p:cNvSpPr>
-          <p:nvPr>
-            <p:ph idx="1"/>
-          </p:nvPr>
-        </p:nvSpPr>
-        <p:spPr/>
-        <p:txBody>
-          <a:bodyPr/>
-          <a:lstStyle/>
-          <a:p>
-            <a:r>
-              <a:rPr lang="es-MX" dirty="0" smtClean="0"/>
-              <a:t>¿De qué manera observar ciertos elementos en el ambiente alteran la probabilidad de observar ciertos eventos?</a:t>
-            </a:r>
-          </a:p>
-          <a:p>
-            <a:endParaRPr lang="es-MX" dirty="0"/>
-          </a:p>
-          <a:p>
-            <a:r>
-              <a:rPr lang="es-MX" dirty="0" smtClean="0"/>
-              <a:t>Sesgos (Prior)</a:t>
-            </a:r>
-          </a:p>
-          <a:p>
-            <a:pPr lvl="1"/>
-            <a:r>
-              <a:rPr lang="es-MX" dirty="0" smtClean="0"/>
-              <a:t>Si me duele el estómago 	Estímulo  Auditivo      vs       Alimento ingerido</a:t>
-            </a:r>
-          </a:p>
-          <a:p>
-            <a:pPr lvl="1"/>
-            <a:endParaRPr lang="es-MX" dirty="0"/>
-          </a:p>
-          <a:p>
-            <a:pPr lvl="1"/>
-            <a:r>
-              <a:rPr lang="es-MX" dirty="0" smtClean="0"/>
-              <a:t>Si me dan un choque eléctrico 		Estímulo auditivo vs Alimento ingerido</a:t>
-            </a:r>
-            <a:endParaRPr lang="es-MX" dirty="0"/>
-          </a:p>
-        </p:txBody>
-      </p:sp>
-    </p:spTree>
-    <p:extLst>
-      <p:ext uri="{BB962C8B-B14F-4D97-AF65-F5344CB8AC3E}">
-        <p14:creationId xmlns:p14="http://schemas.microsoft.com/office/powerpoint/2010/main" val="619678920"/>
-      </p:ext>
-    </p:extLst>
-  </p:cSld>
-  <p:clrMapOvr>
-    <a:masterClrMapping/>
-  </p:clrMapOvr>
-  <p:timing>
-    <p:tnLst>
-      <p:par>
-        <p:cTn id="1" dur="indefinite" restart="never" nodeType="tmRoot">
-          <p:childTnLst>
-            <p:seq concurrent="1" nextAc="seek">
-              <p:cTn id="2" dur="indefinite" nodeType="mainSeq">
-                <p:childTnLst>
-                  <p:par>
-                    <p:cTn id="3" fill="hold">
-                      <p:stCondLst>
-                        <p:cond delay="indefinite"/>
-                      </p:stCondLst>
-                      <p:childTnLst>
-                        <p:par>
-                          <p:cTn id="4" fill="hold">
-                            <p:stCondLst>
-                              <p:cond delay="0"/>
-                            </p:stCondLst>
-                            <p:childTnLst>
-                              <p:par>
-                                <p:cTn id="5" presetID="1" presetClass="entr" presetSubtype="0" fill="hold" nodeType="clickEffect">
-                                  <p:stCondLst>
-                                    <p:cond delay="0"/>
-                                  </p:stCondLst>
-                                  <p:childTnLst>
-                                    <p:set>
-                                      <p:cBhvr>
-                                        <p:cTn id="6" dur="1" fill="hold">
-                                          <p:stCondLst>
-                                            <p:cond delay="0"/>
-                                          </p:stCondLst>
-                                        </p:cTn>
-                                        <p:tgtEl>
-                                          <p:spTgt spid="8">
-                                            <p:txEl>
-                                              <p:pRg st="2" end="2"/>
-                                            </p:txEl>
-                                          </p:spTgt>
-                                        </p:tgtEl>
-                                        <p:attrNameLst>
-                                          <p:attrName>style.visibility</p:attrName>
-                                        </p:attrNameLst>
-                                      </p:cBhvr>
-                                      <p:to>
-                                        <p:strVal val="visible"/>
-                                      </p:to>
-                                    </p:set>
-                                  </p:childTnLst>
-                                </p:cTn>
-                              </p:par>
-                              <p:par>
-                                <p:cTn id="7" presetID="1" presetClass="entr" presetSubtype="0" fill="hold" nodeType="withEffect">
-                                  <p:stCondLst>
-                                    <p:cond delay="0"/>
-                                  </p:stCondLst>
-                                  <p:childTnLst>
-                                    <p:set>
-                                      <p:cBhvr>
-                                        <p:cTn id="8" dur="1" fill="hold">
-                                          <p:stCondLst>
-                                            <p:cond delay="0"/>
-                                          </p:stCondLst>
-                                        </p:cTn>
-                                        <p:tgtEl>
-                                          <p:spTgt spid="8">
-                                            <p:txEl>
-                                              <p:pRg st="3" end="3"/>
-                                            </p:txEl>
-                                          </p:spTgt>
-                                        </p:tgtEl>
-                                        <p:attrNameLst>
-                                          <p:attrName>style.visibility</p:attrName>
-                                        </p:attrNameLst>
-                                      </p:cBhvr>
-                                      <p:to>
-                                        <p:strVal val="visible"/>
-                                      </p:to>
-                                    </p:set>
-                                  </p:childTnLst>
-                                </p:cTn>
-                              </p:par>
-                              <p:par>
-                                <p:cTn id="9" presetID="1" presetClass="entr" presetSubtype="0" fill="hold" nodeType="withEffect">
-                                  <p:stCondLst>
-                                    <p:cond delay="0"/>
-                                  </p:stCondLst>
-                                  <p:childTnLst>
-                                    <p:set>
-                                      <p:cBhvr>
-                                        <p:cTn id="10" dur="1" fill="hold">
-                                          <p:stCondLst>
-                                            <p:cond delay="0"/>
-                                          </p:stCondLst>
-                                        </p:cTn>
-                                        <p:tgtEl>
-                                          <p:spTgt spid="8">
-                                            <p:txEl>
-                                              <p:pRg st="5" end="5"/>
-                                            </p:txEl>
-                                          </p:spTgt>
-                                        </p:tgtEl>
-                                        <p:attrNameLst>
-                                          <p:attrName>style.visibility</p:attrName>
-                                        </p:attrNameLst>
-                                      </p:cBhvr>
-                                      <p:to>
-                                        <p:strVal val="visible"/>
-                                      </p:to>
-                                    </p:set>
-                                  </p:childTnLst>
-                                </p:cTn>
-                              </p:par>
-                            </p:childTnLst>
-                          </p:cTn>
-                        </p:par>
-                      </p:childTnLst>
-                    </p:cTn>
-                  </p:par>
-                </p:childTnLst>
-              </p:cTn>
-              <p:prevCondLst>
-                <p:cond evt="onPrev" delay="0">
-                  <p:tgtEl>
-                    <p:sldTgt/>
-                  </p:tgtEl>
-                </p:cond>
-              </p:prevCondLst>
-              <p:nextCondLst>
-                <p:cond evt="onNext" delay="0">
-                  <p:tgtEl>
-                    <p:sldTgt/>
-                  </p:tgtEl>
-                </p:cond>
-              </p:nextCondLst>
-            </p:seq>
-          </p:childTnLst>
-        </p:cTn>
-      </p:par>
-    </p:tnLst>
-  </p:timing>
-</p:sld>
-</file>
-
-<file path=ppt/slides/slide35.xml><?xml version="1.0" encoding="utf-8"?>
+<file path=ppt/slides/slide32.xml><?xml version="1.0" encoding="utf-8"?>
 <p:sld xmlns:a="http://schemas.openxmlformats.org/drawingml/2006/main" xmlns:r="http://schemas.openxmlformats.org/officeDocument/2006/relationships" xmlns:p="http://schemas.openxmlformats.org/presentationml/2006/main">
   <p:cSld>
     <p:spTree>
@@ -14914,7 +14286,7 @@
 </p:sld>
 </file>
 
-<file path=ppt/slides/slide36.xml><?xml version="1.0" encoding="utf-8"?>
+<file path=ppt/slides/slide33.xml><?xml version="1.0" encoding="utf-8"?>
 <p:sld xmlns:a="http://schemas.openxmlformats.org/drawingml/2006/main" xmlns:r="http://schemas.openxmlformats.org/officeDocument/2006/relationships" xmlns:p="http://schemas.openxmlformats.org/presentationml/2006/main">
   <p:cSld>
     <p:spTree>
@@ -15637,13 +15009,8 @@
             <a:pPr lvl="2"/>
             <a:r>
               <a:rPr lang="es-MX" dirty="0" smtClean="0"/>
-              <a:t>‘La probabilidad de que mañana salga el Sol</a:t>
-            </a:r>
-            <a:r>
-              <a:rPr lang="es-MX" dirty="0" smtClean="0"/>
-              <a:t>’	 		</a:t>
-            </a:r>
-            <a:endParaRPr lang="es-MX" dirty="0" smtClean="0"/>
+              <a:t>‘La probabilidad de que mañana salga el Sol’	 		</a:t>
+            </a:r>
           </a:p>
           <a:p>
             <a:pPr lvl="2"/>
@@ -15653,15 +15020,7 @@
             <a:pPr lvl="2"/>
             <a:r>
               <a:rPr lang="es-MX" dirty="0" smtClean="0"/>
-              <a:t>‘La probabilidad de </a:t>
-            </a:r>
-            <a:r>
-              <a:rPr lang="es-MX" dirty="0" smtClean="0"/>
-              <a:t>que el Sol salga por el Oeste </a:t>
-            </a:r>
-            <a:r>
-              <a:rPr lang="es-MX" dirty="0" smtClean="0"/>
-              <a:t>’</a:t>
+              <a:t>‘La probabilidad de que el Sol salga por el Oeste ’</a:t>
             </a:r>
           </a:p>
           <a:p>
@@ -16606,948 +15965,6 @@
       </p:grpSpPr>
       <p:sp>
         <p:nvSpPr>
-          <p:cNvPr id="2" name="Título 1"/>
-          <p:cNvSpPr>
-            <a:spLocks noGrp="1"/>
-          </p:cNvSpPr>
-          <p:nvPr>
-            <p:ph type="title"/>
-          </p:nvPr>
-        </p:nvSpPr>
-        <p:spPr>
-          <a:xfrm>
-            <a:off x="838200" y="365125"/>
-            <a:ext cx="10515600" cy="756309"/>
-          </a:xfrm>
-        </p:spPr>
-        <p:txBody>
-          <a:bodyPr/>
-          <a:lstStyle/>
-          <a:p>
-            <a:pPr algn="ctr"/>
-            <a:r>
-              <a:rPr lang="es-MX" u="sng" dirty="0" smtClean="0"/>
-              <a:t>La probabilidad como una tasa</a:t>
-            </a:r>
-            <a:endParaRPr lang="es-MX" u="sng" dirty="0"/>
-          </a:p>
-        </p:txBody>
-      </p:sp>
-      <mc:AlternateContent xmlns:mc="http://schemas.openxmlformats.org/markup-compatibility/2006" xmlns:a14="http://schemas.microsoft.com/office/drawing/2010/main">
-        <mc:Choice Requires="a14">
-          <p:sp>
-            <p:nvSpPr>
-              <p:cNvPr id="3" name="Marcador de contenido 2"/>
-              <p:cNvSpPr>
-                <a:spLocks noGrp="1"/>
-              </p:cNvSpPr>
-              <p:nvPr>
-                <p:ph idx="1"/>
-              </p:nvPr>
-            </p:nvSpPr>
-            <p:spPr>
-              <a:xfrm>
-                <a:off x="838200" y="2715314"/>
-                <a:ext cx="10515600" cy="5184925"/>
-              </a:xfrm>
-            </p:spPr>
-            <p:txBody>
-              <a:bodyPr/>
-              <a:lstStyle/>
-              <a:p>
-                <a:pPr marL="0" indent="0">
-                  <a:buNone/>
-                </a:pPr>
-                <a:endParaRPr lang="es-MX" i="1" dirty="0" smtClean="0"/>
-              </a:p>
-              <a:p>
-                <a:pPr marL="0" indent="0">
-                  <a:buNone/>
-                </a:pPr>
-                <a14:m>
-                  <m:oMathPara xmlns:m="http://schemas.openxmlformats.org/officeDocument/2006/math">
-                    <m:oMathParaPr>
-                      <m:jc m:val="centerGroup"/>
-                    </m:oMathParaPr>
-                    <m:oMath xmlns:m="http://schemas.openxmlformats.org/officeDocument/2006/math">
-                      <m:f>
-                        <m:fPr>
-                          <m:ctrlPr>
-                            <a:rPr lang="es-MX" i="1">
-                              <a:latin typeface="Cambria Math"/>
-                            </a:rPr>
-                          </m:ctrlPr>
-                        </m:fPr>
-                        <m:num>
-                          <m:r>
-                            <a:rPr lang="es-MX" i="1">
-                              <a:latin typeface="Cambria Math" panose="02040503050406030204" pitchFamily="18" charset="0"/>
-                            </a:rPr>
-                            <m:t>#</m:t>
-                          </m:r>
-                          <m:r>
-                            <a:rPr lang="es-MX" i="1">
-                              <a:latin typeface="Cambria Math" panose="02040503050406030204" pitchFamily="18" charset="0"/>
-                            </a:rPr>
-                            <m:t>𝐷</m:t>
-                          </m:r>
-                          <m:r>
-                            <a:rPr lang="es-MX" i="1">
-                              <a:latin typeface="Cambria Math" panose="02040503050406030204" pitchFamily="18" charset="0"/>
-                            </a:rPr>
-                            <m:t>í</m:t>
-                          </m:r>
-                          <m:r>
-                            <a:rPr lang="es-MX" i="1">
-                              <a:latin typeface="Cambria Math" panose="02040503050406030204" pitchFamily="18" charset="0"/>
-                            </a:rPr>
-                            <m:t>𝑎𝑠</m:t>
-                          </m:r>
-                          <m:r>
-                            <a:rPr lang="es-MX" i="1">
-                              <a:latin typeface="Cambria Math" panose="02040503050406030204" pitchFamily="18" charset="0"/>
-                            </a:rPr>
-                            <m:t> </m:t>
-                          </m:r>
-                          <m:r>
-                            <a:rPr lang="es-MX" i="1">
-                              <a:latin typeface="Cambria Math" panose="02040503050406030204" pitchFamily="18" charset="0"/>
-                            </a:rPr>
-                            <m:t>𝑞𝑢𝑒</m:t>
-                          </m:r>
-                          <m:r>
-                            <a:rPr lang="es-MX" i="1">
-                              <a:latin typeface="Cambria Math" panose="02040503050406030204" pitchFamily="18" charset="0"/>
-                            </a:rPr>
-                            <m:t> </m:t>
-                          </m:r>
-                          <m:r>
-                            <a:rPr lang="es-MX" i="1">
-                              <a:latin typeface="Cambria Math" panose="02040503050406030204" pitchFamily="18" charset="0"/>
-                            </a:rPr>
-                            <m:t>𝑠𝑎𝑙𝑒</m:t>
-                          </m:r>
-                          <m:r>
-                            <a:rPr lang="es-MX" i="1">
-                              <a:latin typeface="Cambria Math" panose="02040503050406030204" pitchFamily="18" charset="0"/>
-                            </a:rPr>
-                            <m:t> </m:t>
-                          </m:r>
-                          <m:r>
-                            <a:rPr lang="es-MX" i="1">
-                              <a:latin typeface="Cambria Math" panose="02040503050406030204" pitchFamily="18" charset="0"/>
-                            </a:rPr>
-                            <m:t>𝑒𝑙</m:t>
-                          </m:r>
-                          <m:r>
-                            <a:rPr lang="es-MX" i="1">
-                              <a:latin typeface="Cambria Math" panose="02040503050406030204" pitchFamily="18" charset="0"/>
-                            </a:rPr>
-                            <m:t> </m:t>
-                          </m:r>
-                          <m:r>
-                            <a:rPr lang="es-MX" i="1">
-                              <a:latin typeface="Cambria Math" panose="02040503050406030204" pitchFamily="18" charset="0"/>
-                            </a:rPr>
-                            <m:t>𝑆𝑜𝑙</m:t>
-                          </m:r>
-                        </m:num>
-                        <m:den>
-                          <m:r>
-                            <a:rPr lang="es-MX" i="1">
-                              <a:latin typeface="Cambria Math" panose="02040503050406030204" pitchFamily="18" charset="0"/>
-                            </a:rPr>
-                            <m:t># </m:t>
-                          </m:r>
-                          <m:r>
-                            <a:rPr lang="es-MX" i="1">
-                              <a:latin typeface="Cambria Math" panose="02040503050406030204" pitchFamily="18" charset="0"/>
-                            </a:rPr>
-                            <m:t>𝐷</m:t>
-                          </m:r>
-                          <m:r>
-                            <a:rPr lang="es-MX" i="1">
-                              <a:latin typeface="Cambria Math" panose="02040503050406030204" pitchFamily="18" charset="0"/>
-                            </a:rPr>
-                            <m:t>í</m:t>
-                          </m:r>
-                          <m:r>
-                            <a:rPr lang="es-MX" i="1">
-                              <a:latin typeface="Cambria Math" panose="02040503050406030204" pitchFamily="18" charset="0"/>
-                            </a:rPr>
-                            <m:t>𝑎𝑠</m:t>
-                          </m:r>
-                          <m:r>
-                            <a:rPr lang="es-MX" i="1">
-                              <a:latin typeface="Cambria Math" panose="02040503050406030204" pitchFamily="18" charset="0"/>
-                            </a:rPr>
-                            <m:t> </m:t>
-                          </m:r>
-                          <m:r>
-                            <a:rPr lang="es-MX" i="1">
-                              <a:latin typeface="Cambria Math" panose="02040503050406030204" pitchFamily="18" charset="0"/>
-                            </a:rPr>
-                            <m:t>𝑜𝑏𝑠𝑒𝑟𝑣𝑎𝑑𝑜𝑠</m:t>
-                          </m:r>
-                        </m:den>
-                      </m:f>
-                    </m:oMath>
-                  </m:oMathPara>
-                </a14:m>
-                <a:endParaRPr lang="es-MX" dirty="0"/>
-              </a:p>
-              <a:p>
-                <a:pPr marL="0" indent="0">
-                  <a:buNone/>
-                </a:pPr>
-                <a:endParaRPr lang="es-MX" dirty="0" smtClean="0"/>
-              </a:p>
-              <a:p>
-                <a:pPr marL="0" indent="0">
-                  <a:buNone/>
-                </a:pPr>
-                <a:endParaRPr lang="es-MX" dirty="0"/>
-              </a:p>
-              <a:p>
-                <a:pPr marL="0" indent="0">
-                  <a:buNone/>
-                </a:pPr>
-                <a:endParaRPr lang="es-MX" dirty="0" smtClean="0"/>
-              </a:p>
-              <a:p>
-                <a:pPr marL="0" indent="0">
-                  <a:buNone/>
-                </a:pPr>
-                <a:endParaRPr lang="es-MX" dirty="0"/>
-              </a:p>
-            </p:txBody>
-          </p:sp>
-        </mc:Choice>
-        <mc:Fallback xmlns="">
-          <p:sp>
-            <p:nvSpPr>
-              <p:cNvPr id="3" name="Marcador de contenido 2"/>
-              <p:cNvSpPr>
-                <a:spLocks noGrp="1" noRot="1" noChangeAspect="1" noMove="1" noResize="1" noEditPoints="1" noAdjustHandles="1" noChangeArrowheads="1" noChangeShapeType="1" noTextEdit="1"/>
-              </p:cNvSpPr>
-              <p:nvPr>
-                <p:ph idx="1"/>
-              </p:nvPr>
-            </p:nvSpPr>
-            <p:spPr>
-              <a:xfrm>
-                <a:off x="838200" y="2715314"/>
-                <a:ext cx="10515600" cy="5184925"/>
-              </a:xfrm>
-              <a:blipFill rotWithShape="0">
-                <a:blip r:embed="rId3"/>
-                <a:stretch>
-                  <a:fillRect/>
-                </a:stretch>
-              </a:blipFill>
-            </p:spPr>
-            <p:txBody>
-              <a:bodyPr/>
-              <a:lstStyle/>
-              <a:p>
-                <a:r>
-                  <a:rPr lang="es-MX">
-                    <a:noFill/>
-                  </a:rPr>
-                  <a:t> </a:t>
-                </a:r>
-              </a:p>
-            </p:txBody>
-          </p:sp>
-        </mc:Fallback>
-      </mc:AlternateContent>
-      <p:pic>
-        <p:nvPicPr>
-          <p:cNvPr id="1026" name="Picture 2" descr="Resultado de imagen para dibujo sol"/>
-          <p:cNvPicPr>
-            <a:picLocks noChangeAspect="1" noChangeArrowheads="1"/>
-          </p:cNvPicPr>
-          <p:nvPr/>
-        </p:nvPicPr>
-        <p:blipFill>
-          <a:blip r:embed="rId4" cstate="print">
-            <a:extLst>
-              <a:ext uri="{28A0092B-C50C-407E-A947-70E740481C1C}">
-                <a14:useLocalDpi xmlns:a14="http://schemas.microsoft.com/office/drawing/2010/main" val="0"/>
-              </a:ext>
-            </a:extLst>
-          </a:blip>
-          <a:srcRect/>
-          <a:stretch>
-            <a:fillRect/>
-          </a:stretch>
-        </p:blipFill>
-        <p:spPr bwMode="auto">
-          <a:xfrm>
-            <a:off x="3444026" y="1787554"/>
-            <a:ext cx="927760" cy="927760"/>
-          </a:xfrm>
-          <a:prstGeom prst="rect">
-            <a:avLst/>
-          </a:prstGeom>
-          <a:noFill/>
-          <a:extLst>
-            <a:ext uri="{909E8E84-426E-40DD-AFC4-6F175D3DCCD1}">
-              <a14:hiddenFill xmlns:a14="http://schemas.microsoft.com/office/drawing/2010/main">
-                <a:solidFill>
-                  <a:srgbClr val="FFFFFF"/>
-                </a:solidFill>
-              </a14:hiddenFill>
-            </a:ext>
-          </a:extLst>
-        </p:spPr>
-      </p:pic>
-      <p:pic>
-        <p:nvPicPr>
-          <p:cNvPr id="5" name="Picture 2" descr="Resultado de imagen para dibujo sol"/>
-          <p:cNvPicPr>
-            <a:picLocks noChangeAspect="1" noChangeArrowheads="1"/>
-          </p:cNvPicPr>
-          <p:nvPr/>
-        </p:nvPicPr>
-        <p:blipFill>
-          <a:blip r:embed="rId4" cstate="print">
-            <a:extLst>
-              <a:ext uri="{28A0092B-C50C-407E-A947-70E740481C1C}">
-                <a14:useLocalDpi xmlns:a14="http://schemas.microsoft.com/office/drawing/2010/main" val="0"/>
-              </a:ext>
-            </a:extLst>
-          </a:blip>
-          <a:srcRect/>
-          <a:stretch>
-            <a:fillRect/>
-          </a:stretch>
-        </p:blipFill>
-        <p:spPr bwMode="auto">
-          <a:xfrm>
-            <a:off x="8020389" y="4209570"/>
-            <a:ext cx="927760" cy="927760"/>
-          </a:xfrm>
-          <a:prstGeom prst="rect">
-            <a:avLst/>
-          </a:prstGeom>
-          <a:noFill/>
-          <a:extLst>
-            <a:ext uri="{909E8E84-426E-40DD-AFC4-6F175D3DCCD1}">
-              <a14:hiddenFill xmlns:a14="http://schemas.microsoft.com/office/drawing/2010/main">
-                <a:solidFill>
-                  <a:srgbClr val="FFFFFF"/>
-                </a:solidFill>
-              </a14:hiddenFill>
-            </a:ext>
-          </a:extLst>
-        </p:spPr>
-      </p:pic>
-    </p:spTree>
-    <p:extLst>
-      <p:ext uri="{BB962C8B-B14F-4D97-AF65-F5344CB8AC3E}">
-        <p14:creationId xmlns:p14="http://schemas.microsoft.com/office/powerpoint/2010/main" val="3299605296"/>
-      </p:ext>
-    </p:extLst>
-  </p:cSld>
-  <p:clrMapOvr>
-    <a:masterClrMapping/>
-  </p:clrMapOvr>
-  <p:timing>
-    <p:tnLst>
-      <p:par>
-        <p:cTn id="1" dur="indefinite" restart="never" nodeType="tmRoot">
-          <p:childTnLst>
-            <p:seq concurrent="1" nextAc="seek">
-              <p:cTn id="2" dur="indefinite" nodeType="mainSeq">
-                <p:childTnLst>
-                  <p:par>
-                    <p:cTn id="3" fill="hold">
-                      <p:stCondLst>
-                        <p:cond delay="indefinite"/>
-                      </p:stCondLst>
-                      <p:childTnLst>
-                        <p:par>
-                          <p:cTn id="4" fill="hold">
-                            <p:stCondLst>
-                              <p:cond delay="0"/>
-                            </p:stCondLst>
-                            <p:childTnLst>
-                              <p:par>
-                                <p:cTn id="5" presetID="1" presetClass="entr" presetSubtype="0" fill="hold" nodeType="clickEffect">
-                                  <p:stCondLst>
-                                    <p:cond delay="0"/>
-                                  </p:stCondLst>
-                                  <p:childTnLst>
-                                    <p:set>
-                                      <p:cBhvr>
-                                        <p:cTn id="6" dur="1" fill="hold">
-                                          <p:stCondLst>
-                                            <p:cond delay="0"/>
-                                          </p:stCondLst>
-                                        </p:cTn>
-                                        <p:tgtEl>
-                                          <p:spTgt spid="3">
-                                            <p:txEl>
-                                              <p:pRg st="1" end="1"/>
-                                            </p:txEl>
-                                          </p:spTgt>
-                                        </p:tgtEl>
-                                        <p:attrNameLst>
-                                          <p:attrName>style.visibility</p:attrName>
-                                        </p:attrNameLst>
-                                      </p:cBhvr>
-                                      <p:to>
-                                        <p:strVal val="visible"/>
-                                      </p:to>
-                                    </p:set>
-                                  </p:childTnLst>
-                                </p:cTn>
-                              </p:par>
-                            </p:childTnLst>
-                          </p:cTn>
-                        </p:par>
-                      </p:childTnLst>
-                    </p:cTn>
-                  </p:par>
-                </p:childTnLst>
-              </p:cTn>
-              <p:prevCondLst>
-                <p:cond evt="onPrev" delay="0">
-                  <p:tgtEl>
-                    <p:sldTgt/>
-                  </p:tgtEl>
-                </p:cond>
-              </p:prevCondLst>
-              <p:nextCondLst>
-                <p:cond evt="onNext" delay="0">
-                  <p:tgtEl>
-                    <p:sldTgt/>
-                  </p:tgtEl>
-                </p:cond>
-              </p:nextCondLst>
-            </p:seq>
-          </p:childTnLst>
-        </p:cTn>
-      </p:par>
-    </p:tnLst>
-  </p:timing>
-</p:sld>
-</file>
-
-<file path=ppt/slides/slide8.xml><?xml version="1.0" encoding="utf-8"?>
-<p:sld xmlns:a="http://schemas.openxmlformats.org/drawingml/2006/main" xmlns:r="http://schemas.openxmlformats.org/officeDocument/2006/relationships" xmlns:p="http://schemas.openxmlformats.org/presentationml/2006/main">
-  <p:cSld>
-    <p:spTree>
-      <p:nvGrpSpPr>
-        <p:cNvPr id="1" name=""/>
-        <p:cNvGrpSpPr/>
-        <p:nvPr/>
-      </p:nvGrpSpPr>
-      <p:grpSpPr>
-        <a:xfrm>
-          <a:off x="0" y="0"/>
-          <a:ext cx="0" cy="0"/>
-          <a:chOff x="0" y="0"/>
-          <a:chExt cx="0" cy="0"/>
-        </a:xfrm>
-      </p:grpSpPr>
-      <p:sp>
-        <p:nvSpPr>
-          <p:cNvPr id="2" name="Título 1"/>
-          <p:cNvSpPr>
-            <a:spLocks noGrp="1"/>
-          </p:cNvSpPr>
-          <p:nvPr>
-            <p:ph type="title"/>
-          </p:nvPr>
-        </p:nvSpPr>
-        <p:spPr/>
-        <p:txBody>
-          <a:bodyPr/>
-          <a:lstStyle/>
-          <a:p>
-            <a:r>
-              <a:rPr lang="es-MX" dirty="0" smtClean="0"/>
-              <a:t/>
-            </a:r>
-            <a:br>
-              <a:rPr lang="es-MX" dirty="0" smtClean="0"/>
-            </a:br>
-            <a:endParaRPr lang="es-MX" dirty="0"/>
-          </a:p>
-        </p:txBody>
-      </p:sp>
-      <mc:AlternateContent xmlns:mc="http://schemas.openxmlformats.org/markup-compatibility/2006" xmlns:a14="http://schemas.microsoft.com/office/drawing/2010/main">
-        <mc:Choice Requires="a14">
-          <p:sp>
-            <p:nvSpPr>
-              <p:cNvPr id="3" name="Marcador de contenido 2"/>
-              <p:cNvSpPr>
-                <a:spLocks noGrp="1"/>
-              </p:cNvSpPr>
-              <p:nvPr>
-                <p:ph idx="1"/>
-              </p:nvPr>
-            </p:nvSpPr>
-            <p:spPr/>
-            <p:txBody>
-              <a:bodyPr/>
-              <a:lstStyle/>
-              <a:p>
-                <a:pPr marL="914400" lvl="2" indent="0" algn="ctr">
-                  <a:buNone/>
-                </a:pPr>
-                <a14:m>
-                  <m:oMathPara xmlns:m="http://schemas.openxmlformats.org/officeDocument/2006/math">
-                    <m:oMathParaPr>
-                      <m:jc m:val="center"/>
-                    </m:oMathParaPr>
-                    <m:oMath xmlns:m="http://schemas.openxmlformats.org/officeDocument/2006/math">
-                      <m:f>
-                        <m:fPr>
-                          <m:ctrlPr>
-                            <a:rPr lang="es-MX" sz="2800" i="1">
-                              <a:latin typeface="Cambria Math"/>
-                            </a:rPr>
-                          </m:ctrlPr>
-                        </m:fPr>
-                        <m:num>
-                          <m:r>
-                            <a:rPr lang="es-MX" sz="2800" i="1">
-                              <a:latin typeface="Cambria Math" panose="02040503050406030204" pitchFamily="18" charset="0"/>
-                            </a:rPr>
-                            <m:t>#Á</m:t>
-                          </m:r>
-                          <m:r>
-                            <a:rPr lang="es-MX" sz="2800" i="1">
-                              <a:latin typeface="Cambria Math" panose="02040503050406030204" pitchFamily="18" charset="0"/>
-                            </a:rPr>
-                            <m:t>𝑔𝑢𝑖𝑙𝑎𝑠</m:t>
-                          </m:r>
-                        </m:num>
-                        <m:den>
-                          <m:r>
-                            <a:rPr lang="es-MX" sz="2800" i="1">
-                              <a:latin typeface="Cambria Math" panose="02040503050406030204" pitchFamily="18" charset="0"/>
-                            </a:rPr>
-                            <m:t># </m:t>
-                          </m:r>
-                          <m:r>
-                            <a:rPr lang="es-MX" sz="2800" i="1">
-                              <a:latin typeface="Cambria Math" panose="02040503050406030204" pitchFamily="18" charset="0"/>
-                            </a:rPr>
-                            <m:t>𝑉𝑜𝑙𝑎𝑑𝑜𝑠</m:t>
-                          </m:r>
-                          <m:r>
-                            <a:rPr lang="es-MX" sz="2800" i="1">
-                              <a:latin typeface="Cambria Math" panose="02040503050406030204" pitchFamily="18" charset="0"/>
-                            </a:rPr>
-                            <m:t> </m:t>
-                          </m:r>
-                          <m:r>
-                            <a:rPr lang="es-MX" sz="2800" i="1">
-                              <a:latin typeface="Cambria Math" panose="02040503050406030204" pitchFamily="18" charset="0"/>
-                            </a:rPr>
-                            <m:t>𝑎𝑣𝑒𝑛𝑡𝑎𝑑𝑜𝑠</m:t>
-                          </m:r>
-                        </m:den>
-                      </m:f>
-                    </m:oMath>
-                  </m:oMathPara>
-                </a14:m>
-                <a:endParaRPr lang="es-MX" sz="2800" dirty="0"/>
-              </a:p>
-              <a:p>
-                <a:pPr marL="0" indent="0" algn="ctr">
-                  <a:buNone/>
-                </a:pPr>
-                <a:endParaRPr lang="es-MX" dirty="0" smtClean="0"/>
-              </a:p>
-              <a:p>
-                <a:pPr marL="0" indent="0" algn="ctr">
-                  <a:buNone/>
-                </a:pPr>
-                <a:endParaRPr lang="es-MX" dirty="0" smtClean="0"/>
-              </a:p>
-              <a:p>
-                <a:pPr marL="0" indent="0" algn="ctr">
-                  <a:buNone/>
-                </a:pPr>
-                <a:endParaRPr lang="es-MX" dirty="0"/>
-              </a:p>
-              <a:p>
-                <a:pPr marL="0" indent="0" algn="ctr">
-                  <a:buNone/>
-                </a:pPr>
-                <a14:m>
-                  <m:oMathPara xmlns:m="http://schemas.openxmlformats.org/officeDocument/2006/math">
-                    <m:oMathParaPr>
-                      <m:jc m:val="centerGroup"/>
-                    </m:oMathParaPr>
-                    <m:oMath xmlns:m="http://schemas.openxmlformats.org/officeDocument/2006/math">
-                      <m:f>
-                        <m:fPr>
-                          <m:ctrlPr>
-                            <a:rPr lang="es-MX" i="1">
-                              <a:latin typeface="Cambria Math"/>
-                            </a:rPr>
-                          </m:ctrlPr>
-                        </m:fPr>
-                        <m:num>
-                          <m:r>
-                            <a:rPr lang="es-MX" i="1">
-                              <a:latin typeface="Cambria Math" panose="02040503050406030204" pitchFamily="18" charset="0"/>
-                            </a:rPr>
-                            <m:t>#</m:t>
-                          </m:r>
-                          <m:r>
-                            <a:rPr lang="es-MX" i="1">
-                              <a:latin typeface="Cambria Math" panose="02040503050406030204" pitchFamily="18" charset="0"/>
-                            </a:rPr>
-                            <m:t>𝑉𝑒𝑐𝑒𝑠</m:t>
-                          </m:r>
-                          <m:r>
-                            <a:rPr lang="es-MX" i="1">
-                              <a:latin typeface="Cambria Math" panose="02040503050406030204" pitchFamily="18" charset="0"/>
-                            </a:rPr>
-                            <m:t> </m:t>
-                          </m:r>
-                          <m:r>
-                            <a:rPr lang="es-MX" i="1">
-                              <a:latin typeface="Cambria Math" panose="02040503050406030204" pitchFamily="18" charset="0"/>
-                            </a:rPr>
-                            <m:t>𝑞𝑢𝑒</m:t>
-                          </m:r>
-                          <m:r>
-                            <a:rPr lang="es-MX" i="1">
-                              <a:latin typeface="Cambria Math" panose="02040503050406030204" pitchFamily="18" charset="0"/>
-                            </a:rPr>
-                            <m:t> </m:t>
-                          </m:r>
-                          <m:r>
-                            <a:rPr lang="es-MX" i="1">
-                              <a:latin typeface="Cambria Math" panose="02040503050406030204" pitchFamily="18" charset="0"/>
-                            </a:rPr>
-                            <m:t>𝑜𝑏𝑡𝑢𝑣𝑒</m:t>
-                          </m:r>
-                          <m:r>
-                            <a:rPr lang="es-MX" i="1">
-                              <a:latin typeface="Cambria Math" panose="02040503050406030204" pitchFamily="18" charset="0"/>
-                            </a:rPr>
-                            <m:t> </m:t>
-                          </m:r>
-                          <m:r>
-                            <a:rPr lang="es-MX" i="1">
-                              <a:latin typeface="Cambria Math" panose="02040503050406030204" pitchFamily="18" charset="0"/>
-                            </a:rPr>
-                            <m:t>𝑢𝑛</m:t>
-                          </m:r>
-                          <m:r>
-                            <a:rPr lang="es-MX" i="1">
-                              <a:latin typeface="Cambria Math" panose="02040503050406030204" pitchFamily="18" charset="0"/>
-                            </a:rPr>
-                            <m:t> 2</m:t>
-                          </m:r>
-                        </m:num>
-                        <m:den>
-                          <m:r>
-                            <a:rPr lang="es-MX" i="1">
-                              <a:latin typeface="Cambria Math" panose="02040503050406030204" pitchFamily="18" charset="0"/>
-                            </a:rPr>
-                            <m:t># </m:t>
-                          </m:r>
-                          <m:r>
-                            <a:rPr lang="es-MX" i="1">
-                              <a:latin typeface="Cambria Math" panose="02040503050406030204" pitchFamily="18" charset="0"/>
-                            </a:rPr>
-                            <m:t>𝑉𝑒𝑐𝑒𝑠</m:t>
-                          </m:r>
-                          <m:r>
-                            <a:rPr lang="es-MX" i="1">
-                              <a:latin typeface="Cambria Math" panose="02040503050406030204" pitchFamily="18" charset="0"/>
-                            </a:rPr>
-                            <m:t> </m:t>
-                          </m:r>
-                          <m:r>
-                            <a:rPr lang="es-MX" i="1">
-                              <a:latin typeface="Cambria Math" panose="02040503050406030204" pitchFamily="18" charset="0"/>
-                            </a:rPr>
-                            <m:t>𝑞𝑢𝑒</m:t>
-                          </m:r>
-                          <m:r>
-                            <a:rPr lang="es-MX" i="1">
-                              <a:latin typeface="Cambria Math" panose="02040503050406030204" pitchFamily="18" charset="0"/>
-                            </a:rPr>
-                            <m:t> </m:t>
-                          </m:r>
-                          <m:r>
-                            <a:rPr lang="es-MX" i="1">
-                              <a:latin typeface="Cambria Math" panose="02040503050406030204" pitchFamily="18" charset="0"/>
-                            </a:rPr>
-                            <m:t>𝑡𝑖𝑟</m:t>
-                          </m:r>
-                          <m:r>
-                            <a:rPr lang="es-MX" i="1">
-                              <a:latin typeface="Cambria Math" panose="02040503050406030204" pitchFamily="18" charset="0"/>
-                            </a:rPr>
-                            <m:t>é </m:t>
-                          </m:r>
-                          <m:r>
-                            <a:rPr lang="es-MX" i="1">
-                              <a:latin typeface="Cambria Math" panose="02040503050406030204" pitchFamily="18" charset="0"/>
-                            </a:rPr>
-                            <m:t>𝑒𝑙</m:t>
-                          </m:r>
-                          <m:r>
-                            <a:rPr lang="es-MX" i="1">
-                              <a:latin typeface="Cambria Math" panose="02040503050406030204" pitchFamily="18" charset="0"/>
-                            </a:rPr>
-                            <m:t> </m:t>
-                          </m:r>
-                          <m:r>
-                            <a:rPr lang="es-MX" i="1">
-                              <a:latin typeface="Cambria Math" panose="02040503050406030204" pitchFamily="18" charset="0"/>
-                            </a:rPr>
-                            <m:t>𝑑𝑎𝑑𝑜</m:t>
-                          </m:r>
-                        </m:den>
-                      </m:f>
-                    </m:oMath>
-                  </m:oMathPara>
-                </a14:m>
-                <a:endParaRPr lang="es-MX" dirty="0"/>
-              </a:p>
-              <a:p>
-                <a:pPr marL="0" indent="0">
-                  <a:buNone/>
-                </a:pPr>
-                <a:endParaRPr lang="es-MX" dirty="0" smtClean="0"/>
-              </a:p>
-              <a:p>
-                <a:pPr marL="0" indent="0">
-                  <a:buNone/>
-                </a:pPr>
-                <a:endParaRPr lang="es-MX" dirty="0"/>
-              </a:p>
-              <a:p>
-                <a:pPr marL="0" indent="0">
-                  <a:buNone/>
-                </a:pPr>
-                <a:endParaRPr lang="es-MX" dirty="0"/>
-              </a:p>
-              <a:p>
-                <a:pPr algn="ctr"/>
-                <a:endParaRPr lang="es-MX" dirty="0"/>
-              </a:p>
-            </p:txBody>
-          </p:sp>
-        </mc:Choice>
-        <mc:Fallback xmlns="">
-          <p:sp>
-            <p:nvSpPr>
-              <p:cNvPr id="3" name="Marcador de contenido 2"/>
-              <p:cNvSpPr>
-                <a:spLocks noGrp="1" noRot="1" noChangeAspect="1" noMove="1" noResize="1" noEditPoints="1" noAdjustHandles="1" noChangeArrowheads="1" noChangeShapeType="1" noTextEdit="1"/>
-              </p:cNvSpPr>
-              <p:nvPr>
-                <p:ph idx="1"/>
-              </p:nvPr>
-            </p:nvSpPr>
-            <p:spPr>
-              <a:blipFill rotWithShape="0">
-                <a:blip r:embed="rId2"/>
-                <a:stretch>
-                  <a:fillRect/>
-                </a:stretch>
-              </a:blipFill>
-            </p:spPr>
-            <p:txBody>
-              <a:bodyPr/>
-              <a:lstStyle/>
-              <a:p>
-                <a:r>
-                  <a:rPr lang="es-MX">
-                    <a:noFill/>
-                  </a:rPr>
-                  <a:t> </a:t>
-                </a:r>
-              </a:p>
-            </p:txBody>
-          </p:sp>
-        </mc:Fallback>
-      </mc:AlternateContent>
-      <p:sp>
-        <p:nvSpPr>
-          <p:cNvPr id="4" name="Título 1"/>
-          <p:cNvSpPr txBox="1">
-            <a:spLocks/>
-          </p:cNvSpPr>
-          <p:nvPr/>
-        </p:nvSpPr>
-        <p:spPr>
-          <a:xfrm>
-            <a:off x="838200" y="365125"/>
-            <a:ext cx="10515600" cy="756309"/>
-          </a:xfrm>
-          <a:prstGeom prst="rect">
-            <a:avLst/>
-          </a:prstGeom>
-        </p:spPr>
-        <p:txBody>
-          <a:bodyPr vert="horz" lIns="91440" tIns="45720" rIns="91440" bIns="45720" rtlCol="0" anchor="ctr">
-            <a:normAutofit/>
-          </a:bodyPr>
-          <a:lstStyle>
-            <a:lvl1pPr algn="l" defTabSz="914400" rtl="0" eaLnBrk="1" latinLnBrk="0" hangingPunct="1">
-              <a:lnSpc>
-                <a:spcPct val="90000"/>
-              </a:lnSpc>
-              <a:spcBef>
-                <a:spcPct val="0"/>
-              </a:spcBef>
-              <a:buNone/>
-              <a:defRPr sz="4400" kern="1200">
-                <a:solidFill>
-                  <a:schemeClr val="tx1"/>
-                </a:solidFill>
-                <a:latin typeface="+mj-lt"/>
-                <a:ea typeface="+mj-ea"/>
-                <a:cs typeface="+mj-cs"/>
-              </a:defRPr>
-            </a:lvl1pPr>
-          </a:lstStyle>
-          <a:p>
-            <a:pPr algn="ctr"/>
-            <a:r>
-              <a:rPr lang="es-MX" u="sng" dirty="0" smtClean="0"/>
-              <a:t>La probabilidad como una tasa</a:t>
-            </a:r>
-            <a:endParaRPr lang="es-MX" u="sng" dirty="0"/>
-          </a:p>
-        </p:txBody>
-      </p:sp>
-      <p:pic>
-        <p:nvPicPr>
-          <p:cNvPr id="2050" name="Picture 2" descr="Resultado de imagen para dibujo dado"/>
-          <p:cNvPicPr>
-            <a:picLocks noChangeAspect="1" noChangeArrowheads="1"/>
-          </p:cNvPicPr>
-          <p:nvPr/>
-        </p:nvPicPr>
-        <p:blipFill>
-          <a:blip r:embed="rId3" cstate="print">
-            <a:extLst>
-              <a:ext uri="{28A0092B-C50C-407E-A947-70E740481C1C}">
-                <a14:useLocalDpi xmlns:a14="http://schemas.microsoft.com/office/drawing/2010/main" val="0"/>
-              </a:ext>
-            </a:extLst>
-          </a:blip>
-          <a:srcRect/>
-          <a:stretch>
-            <a:fillRect/>
-          </a:stretch>
-        </p:blipFill>
-        <p:spPr bwMode="auto">
-          <a:xfrm>
-            <a:off x="8324790" y="4088989"/>
-            <a:ext cx="1190146" cy="1249384"/>
-          </a:xfrm>
-          <a:prstGeom prst="rect">
-            <a:avLst/>
-          </a:prstGeom>
-          <a:noFill/>
-          <a:extLst>
-            <a:ext uri="{909E8E84-426E-40DD-AFC4-6F175D3DCCD1}">
-              <a14:hiddenFill xmlns:a14="http://schemas.microsoft.com/office/drawing/2010/main">
-                <a:solidFill>
-                  <a:srgbClr val="FFFFFF"/>
-                </a:solidFill>
-              </a14:hiddenFill>
-            </a:ext>
-          </a:extLst>
-        </p:spPr>
-      </p:pic>
-      <p:pic>
-        <p:nvPicPr>
-          <p:cNvPr id="2052" name="Picture 4" descr="Resultado de imagen para dibujo moneda aguila"/>
-          <p:cNvPicPr>
-            <a:picLocks noChangeAspect="1" noChangeArrowheads="1"/>
-          </p:cNvPicPr>
-          <p:nvPr/>
-        </p:nvPicPr>
-        <p:blipFill>
-          <a:blip r:embed="rId4" cstate="print">
-            <a:extLst>
-              <a:ext uri="{28A0092B-C50C-407E-A947-70E740481C1C}">
-                <a14:useLocalDpi xmlns:a14="http://schemas.microsoft.com/office/drawing/2010/main" val="0"/>
-              </a:ext>
-            </a:extLst>
-          </a:blip>
-          <a:srcRect/>
-          <a:stretch>
-            <a:fillRect/>
-          </a:stretch>
-        </p:blipFill>
-        <p:spPr bwMode="auto">
-          <a:xfrm>
-            <a:off x="2855643" y="1897062"/>
-            <a:ext cx="894745" cy="897896"/>
-          </a:xfrm>
-          <a:prstGeom prst="rect">
-            <a:avLst/>
-          </a:prstGeom>
-          <a:noFill/>
-          <a:extLst>
-            <a:ext uri="{909E8E84-426E-40DD-AFC4-6F175D3DCCD1}">
-              <a14:hiddenFill xmlns:a14="http://schemas.microsoft.com/office/drawing/2010/main">
-                <a:solidFill>
-                  <a:srgbClr val="FFFFFF"/>
-                </a:solidFill>
-              </a14:hiddenFill>
-            </a:ext>
-          </a:extLst>
-        </p:spPr>
-      </p:pic>
-    </p:spTree>
-    <p:extLst>
-      <p:ext uri="{BB962C8B-B14F-4D97-AF65-F5344CB8AC3E}">
-        <p14:creationId xmlns:p14="http://schemas.microsoft.com/office/powerpoint/2010/main" val="3923550978"/>
-      </p:ext>
-    </p:extLst>
-  </p:cSld>
-  <p:clrMapOvr>
-    <a:masterClrMapping/>
-  </p:clrMapOvr>
-  <p:timing>
-    <p:tnLst>
-      <p:par>
-        <p:cTn id="1" dur="indefinite" restart="never" nodeType="tmRoot"/>
-      </p:par>
-    </p:tnLst>
-  </p:timing>
-</p:sld>
-</file>
-
-<file path=ppt/slides/slide9.xml><?xml version="1.0" encoding="utf-8"?>
-<p:sld xmlns:a="http://schemas.openxmlformats.org/drawingml/2006/main" xmlns:r="http://schemas.openxmlformats.org/officeDocument/2006/relationships" xmlns:p="http://schemas.openxmlformats.org/presentationml/2006/main">
-  <p:cSld>
-    <p:spTree>
-      <p:nvGrpSpPr>
-        <p:cNvPr id="1" name=""/>
-        <p:cNvGrpSpPr/>
-        <p:nvPr/>
-      </p:nvGrpSpPr>
-      <p:grpSpPr>
-        <a:xfrm>
-          <a:off x="0" y="0"/>
-          <a:ext cx="0" cy="0"/>
-          <a:chOff x="0" y="0"/>
-          <a:chExt cx="0" cy="0"/>
-        </a:xfrm>
-      </p:grpSpPr>
-      <p:sp>
-        <p:nvSpPr>
           <p:cNvPr id="4" name="Título 3"/>
           <p:cNvSpPr>
             <a:spLocks noGrp="1"/>
@@ -18395,6 +16812,442 @@
         </p:cTn>
       </p:par>
     </p:tnLst>
+  </p:timing>
+</p:sld>
+</file>
+
+<file path=ppt/slides/slide8.xml><?xml version="1.0" encoding="utf-8"?>
+<p:sld xmlns:a="http://schemas.openxmlformats.org/drawingml/2006/main" xmlns:r="http://schemas.openxmlformats.org/officeDocument/2006/relationships" xmlns:p="http://schemas.openxmlformats.org/presentationml/2006/main">
+  <p:cSld>
+    <p:spTree>
+      <p:nvGrpSpPr>
+        <p:cNvPr id="1" name=""/>
+        <p:cNvGrpSpPr/>
+        <p:nvPr/>
+      </p:nvGrpSpPr>
+      <p:grpSpPr>
+        <a:xfrm>
+          <a:off x="0" y="0"/>
+          <a:ext cx="0" cy="0"/>
+          <a:chOff x="0" y="0"/>
+          <a:chExt cx="0" cy="0"/>
+        </a:xfrm>
+      </p:grpSpPr>
+      <p:sp>
+        <p:nvSpPr>
+          <p:cNvPr id="7" name="Título 6"/>
+          <p:cNvSpPr>
+            <a:spLocks noGrp="1"/>
+          </p:cNvSpPr>
+          <p:nvPr>
+            <p:ph type="title"/>
+          </p:nvPr>
+        </p:nvSpPr>
+        <p:spPr/>
+        <p:txBody>
+          <a:bodyPr/>
+          <a:lstStyle/>
+          <a:p>
+            <a:r>
+              <a:rPr lang="es-MX" dirty="0" smtClean="0"/>
+              <a:t>¿Qué tan probable es…</a:t>
+            </a:r>
+            <a:endParaRPr lang="es-MX" dirty="0"/>
+          </a:p>
+        </p:txBody>
+      </p:sp>
+      <p:sp>
+        <p:nvSpPr>
+          <p:cNvPr id="2" name="Marcador de contenido 1"/>
+          <p:cNvSpPr>
+            <a:spLocks noGrp="1"/>
+          </p:cNvSpPr>
+          <p:nvPr>
+            <p:ph idx="1"/>
+          </p:nvPr>
+        </p:nvSpPr>
+        <p:spPr/>
+        <p:txBody>
+          <a:bodyPr/>
+          <a:lstStyle/>
+          <a:p>
+            <a:pPr marL="0" indent="0" algn="r">
+              <a:buNone/>
+            </a:pPr>
+            <a:r>
+              <a:rPr lang="es-MX" dirty="0" smtClean="0"/>
+              <a:t>… que un individuo X sea zurdo?</a:t>
+            </a:r>
+          </a:p>
+          <a:p>
+            <a:pPr marL="0" indent="0" algn="r">
+              <a:buNone/>
+            </a:pPr>
+            <a:endParaRPr lang="es-MX" dirty="0"/>
+          </a:p>
+          <a:p>
+            <a:pPr marL="0" indent="0" algn="r">
+              <a:buNone/>
+            </a:pPr>
+            <a:endParaRPr lang="es-MX" dirty="0" smtClean="0"/>
+          </a:p>
+          <a:p>
+            <a:pPr marL="0" indent="0" algn="r">
+              <a:buNone/>
+            </a:pPr>
+            <a:endParaRPr lang="es-MX" dirty="0"/>
+          </a:p>
+          <a:p>
+            <a:pPr marL="0" indent="0" algn="r">
+              <a:buNone/>
+            </a:pPr>
+            <a:endParaRPr lang="es-MX" dirty="0"/>
+          </a:p>
+        </p:txBody>
+      </p:sp>
+    </p:spTree>
+    <p:extLst>
+      <p:ext uri="{BB962C8B-B14F-4D97-AF65-F5344CB8AC3E}">
+        <p14:creationId xmlns:p14="http://schemas.microsoft.com/office/powerpoint/2010/main" val="2150416278"/>
+      </p:ext>
+    </p:extLst>
+  </p:cSld>
+  <p:clrMapOvr>
+    <a:masterClrMapping/>
+  </p:clrMapOvr>
+  <p:timing>
+    <p:tnLst>
+      <p:par>
+        <p:cTn id="1" dur="indefinite" restart="never" nodeType="tmRoot"/>
+      </p:par>
+    </p:tnLst>
+  </p:timing>
+</p:sld>
+</file>
+
+<file path=ppt/slides/slide9.xml><?xml version="1.0" encoding="utf-8"?>
+<p:sld xmlns:a="http://schemas.openxmlformats.org/drawingml/2006/main" xmlns:r="http://schemas.openxmlformats.org/officeDocument/2006/relationships" xmlns:p="http://schemas.openxmlformats.org/presentationml/2006/main">
+  <p:cSld>
+    <p:spTree>
+      <p:nvGrpSpPr>
+        <p:cNvPr id="1" name=""/>
+        <p:cNvGrpSpPr/>
+        <p:nvPr/>
+      </p:nvGrpSpPr>
+      <p:grpSpPr>
+        <a:xfrm>
+          <a:off x="0" y="0"/>
+          <a:ext cx="0" cy="0"/>
+          <a:chOff x="0" y="0"/>
+          <a:chExt cx="0" cy="0"/>
+        </a:xfrm>
+      </p:grpSpPr>
+      <p:sp>
+        <p:nvSpPr>
+          <p:cNvPr id="9" name="Rectángulo 8"/>
+          <p:cNvSpPr/>
+          <p:nvPr/>
+        </p:nvSpPr>
+        <p:spPr>
+          <a:xfrm>
+            <a:off x="1820174" y="3856009"/>
+            <a:ext cx="2631056" cy="1992702"/>
+          </a:xfrm>
+          <a:prstGeom prst="rect">
+            <a:avLst/>
+          </a:prstGeom>
+        </p:spPr>
+        <p:style>
+          <a:lnRef idx="2">
+            <a:schemeClr val="accent1">
+              <a:shade val="50000"/>
+            </a:schemeClr>
+          </a:lnRef>
+          <a:fillRef idx="1">
+            <a:schemeClr val="accent1"/>
+          </a:fillRef>
+          <a:effectRef idx="0">
+            <a:schemeClr val="accent1"/>
+          </a:effectRef>
+          <a:fontRef idx="minor">
+            <a:schemeClr val="lt1"/>
+          </a:fontRef>
+        </p:style>
+        <p:txBody>
+          <a:bodyPr rtlCol="0" anchor="ctr"/>
+          <a:lstStyle/>
+          <a:p>
+            <a:pPr algn="ctr"/>
+            <a:endParaRPr lang="es-MX"/>
+          </a:p>
+        </p:txBody>
+      </p:sp>
+      <p:sp>
+        <p:nvSpPr>
+          <p:cNvPr id="7" name="Título 6"/>
+          <p:cNvSpPr>
+            <a:spLocks noGrp="1"/>
+          </p:cNvSpPr>
+          <p:nvPr>
+            <p:ph type="title"/>
+          </p:nvPr>
+        </p:nvSpPr>
+        <p:spPr/>
+        <p:txBody>
+          <a:bodyPr/>
+          <a:lstStyle/>
+          <a:p>
+            <a:r>
+              <a:rPr lang="es-MX" dirty="0" smtClean="0"/>
+              <a:t>¿Qué tan probable es…?</a:t>
+            </a:r>
+            <a:endParaRPr lang="es-MX" dirty="0"/>
+          </a:p>
+        </p:txBody>
+      </p:sp>
+      <p:pic>
+        <p:nvPicPr>
+          <p:cNvPr id="1026" name="Picture 2" descr="Imagen relacionada"/>
+          <p:cNvPicPr>
+            <a:picLocks noGrp="1" noChangeAspect="1" noChangeArrowheads="1"/>
+          </p:cNvPicPr>
+          <p:nvPr>
+            <p:ph idx="1"/>
+          </p:nvPr>
+        </p:nvPicPr>
+        <p:blipFill>
+          <a:blip r:embed="rId2" cstate="print">
+            <a:extLst>
+              <a:ext uri="{28A0092B-C50C-407E-A947-70E740481C1C}">
+                <a14:useLocalDpi xmlns:a14="http://schemas.microsoft.com/office/drawing/2010/main" val="0"/>
+              </a:ext>
+            </a:extLst>
+          </a:blip>
+          <a:srcRect/>
+          <a:stretch>
+            <a:fillRect/>
+          </a:stretch>
+        </p:blipFill>
+        <p:spPr bwMode="auto">
+          <a:xfrm>
+            <a:off x="1319091" y="1860132"/>
+            <a:ext cx="2273121" cy="4351338"/>
+          </a:xfrm>
+          <a:prstGeom prst="rect">
+            <a:avLst/>
+          </a:prstGeom>
+          <a:noFill/>
+          <a:extLst>
+            <a:ext uri="{909E8E84-426E-40DD-AFC4-6F175D3DCCD1}">
+              <a14:hiddenFill xmlns:a14="http://schemas.microsoft.com/office/drawing/2010/main">
+                <a:solidFill>
+                  <a:srgbClr val="FFFFFF"/>
+                </a:solidFill>
+              </a14:hiddenFill>
+            </a:ext>
+          </a:extLst>
+        </p:spPr>
+      </p:pic>
+      <p:pic>
+        <p:nvPicPr>
+          <p:cNvPr id="12" name="Picture 2" descr="Resultado de imagen para chico escuela"/>
+          <p:cNvPicPr>
+            <a:picLocks noChangeAspect="1" noChangeArrowheads="1"/>
+          </p:cNvPicPr>
+          <p:nvPr/>
+        </p:nvPicPr>
+        <p:blipFill>
+          <a:blip r:embed="rId3" cstate="print">
+            <a:extLst>
+              <a:ext uri="{28A0092B-C50C-407E-A947-70E740481C1C}">
+                <a14:useLocalDpi xmlns:a14="http://schemas.microsoft.com/office/drawing/2010/main" val="0"/>
+              </a:ext>
+            </a:extLst>
+          </a:blip>
+          <a:srcRect/>
+          <a:stretch>
+            <a:fillRect/>
+          </a:stretch>
+        </p:blipFill>
+        <p:spPr bwMode="auto">
+          <a:xfrm>
+            <a:off x="7686435" y="1860132"/>
+            <a:ext cx="2587626" cy="3884427"/>
+          </a:xfrm>
+          <a:prstGeom prst="rect">
+            <a:avLst/>
+          </a:prstGeom>
+          <a:noFill/>
+          <a:extLst>
+            <a:ext uri="{909E8E84-426E-40DD-AFC4-6F175D3DCCD1}">
+              <a14:hiddenFill xmlns:a14="http://schemas.microsoft.com/office/drawing/2010/main">
+                <a:solidFill>
+                  <a:srgbClr val="FFFFFF"/>
+                </a:solidFill>
+              </a14:hiddenFill>
+            </a:ext>
+          </a:extLst>
+        </p:spPr>
+      </p:pic>
+    </p:spTree>
+    <p:extLst>
+      <p:ext uri="{BB962C8B-B14F-4D97-AF65-F5344CB8AC3E}">
+        <p14:creationId xmlns:p14="http://schemas.microsoft.com/office/powerpoint/2010/main" val="2333215368"/>
+      </p:ext>
+    </p:extLst>
+  </p:cSld>
+  <p:clrMapOvr>
+    <a:masterClrMapping/>
+  </p:clrMapOvr>
+  <p:timing>
+    <p:tnLst>
+      <p:par>
+        <p:cTn id="1" dur="indefinite" restart="never" nodeType="tmRoot">
+          <p:childTnLst>
+            <p:seq concurrent="1" nextAc="seek">
+              <p:cTn id="2" dur="indefinite" nodeType="mainSeq">
+                <p:childTnLst>
+                  <p:par>
+                    <p:cTn id="3" fill="hold">
+                      <p:stCondLst>
+                        <p:cond delay="indefinite"/>
+                      </p:stCondLst>
+                      <p:childTnLst>
+                        <p:par>
+                          <p:cTn id="4" fill="hold">
+                            <p:stCondLst>
+                              <p:cond delay="0"/>
+                            </p:stCondLst>
+                            <p:childTnLst>
+                              <p:par>
+                                <p:cTn id="5" presetID="1" presetClass="entr" presetSubtype="0" fill="hold" nodeType="clickEffect">
+                                  <p:stCondLst>
+                                    <p:cond delay="0"/>
+                                  </p:stCondLst>
+                                  <p:childTnLst>
+                                    <p:set>
+                                      <p:cBhvr>
+                                        <p:cTn id="6" dur="1" fill="hold">
+                                          <p:stCondLst>
+                                            <p:cond delay="0"/>
+                                          </p:stCondLst>
+                                        </p:cTn>
+                                        <p:tgtEl>
+                                          <p:spTgt spid="1026"/>
+                                        </p:tgtEl>
+                                        <p:attrNameLst>
+                                          <p:attrName>style.visibility</p:attrName>
+                                        </p:attrNameLst>
+                                      </p:cBhvr>
+                                      <p:to>
+                                        <p:strVal val="visible"/>
+                                      </p:to>
+                                    </p:set>
+                                  </p:childTnLst>
+                                </p:cTn>
+                              </p:par>
+                              <p:par>
+                                <p:cTn id="7" presetID="1" presetClass="entr" presetSubtype="0" fill="hold" grpId="0" nodeType="withEffect">
+                                  <p:stCondLst>
+                                    <p:cond delay="0"/>
+                                  </p:stCondLst>
+                                  <p:childTnLst>
+                                    <p:set>
+                                      <p:cBhvr>
+                                        <p:cTn id="8" dur="1" fill="hold">
+                                          <p:stCondLst>
+                                            <p:cond delay="0"/>
+                                          </p:stCondLst>
+                                        </p:cTn>
+                                        <p:tgtEl>
+                                          <p:spTgt spid="9"/>
+                                        </p:tgtEl>
+                                        <p:attrNameLst>
+                                          <p:attrName>style.visibility</p:attrName>
+                                        </p:attrNameLst>
+                                      </p:cBhvr>
+                                      <p:to>
+                                        <p:strVal val="visible"/>
+                                      </p:to>
+                                    </p:set>
+                                  </p:childTnLst>
+                                </p:cTn>
+                              </p:par>
+                            </p:childTnLst>
+                          </p:cTn>
+                        </p:par>
+                      </p:childTnLst>
+                    </p:cTn>
+                  </p:par>
+                  <p:par>
+                    <p:cTn id="9" fill="hold">
+                      <p:stCondLst>
+                        <p:cond delay="indefinite"/>
+                      </p:stCondLst>
+                      <p:childTnLst>
+                        <p:par>
+                          <p:cTn id="10" fill="hold">
+                            <p:stCondLst>
+                              <p:cond delay="0"/>
+                            </p:stCondLst>
+                            <p:childTnLst>
+                              <p:par>
+                                <p:cTn id="11" presetID="1" presetClass="entr" presetSubtype="0" fill="hold" nodeType="clickEffect">
+                                  <p:stCondLst>
+                                    <p:cond delay="0"/>
+                                  </p:stCondLst>
+                                  <p:childTnLst>
+                                    <p:set>
+                                      <p:cBhvr>
+                                        <p:cTn id="12" dur="1" fill="hold">
+                                          <p:stCondLst>
+                                            <p:cond delay="0"/>
+                                          </p:stCondLst>
+                                        </p:cTn>
+                                        <p:tgtEl>
+                                          <p:spTgt spid="12"/>
+                                        </p:tgtEl>
+                                        <p:attrNameLst>
+                                          <p:attrName>style.visibility</p:attrName>
+                                        </p:attrNameLst>
+                                      </p:cBhvr>
+                                      <p:to>
+                                        <p:strVal val="visible"/>
+                                      </p:to>
+                                    </p:set>
+                                  </p:childTnLst>
+                                </p:cTn>
+                              </p:par>
+                            </p:childTnLst>
+                          </p:cTn>
+                        </p:par>
+                      </p:childTnLst>
+                    </p:cTn>
+                  </p:par>
+                </p:childTnLst>
+              </p:cTn>
+              <p:prevCondLst>
+                <p:cond evt="onPrev" delay="0">
+                  <p:tgtEl>
+                    <p:sldTgt/>
+                  </p:tgtEl>
+                </p:cond>
+              </p:prevCondLst>
+              <p:nextCondLst>
+                <p:cond evt="onNext" delay="0">
+                  <p:tgtEl>
+                    <p:sldTgt/>
+                  </p:tgtEl>
+                </p:cond>
+              </p:nextCondLst>
+            </p:seq>
+          </p:childTnLst>
+        </p:cTn>
+      </p:par>
+    </p:tnLst>
+    <p:bldLst>
+      <p:bldP spid="9" grpId="0" animBg="1"/>
+    </p:bldLst>
   </p:timing>
 </p:sld>
 </file>
@@ -18654,7 +17507,7 @@
   <a:extraClrSchemeLst/>
   <a:extLst>
     <a:ext uri="{05A4C25C-085E-4340-85A3-A5531E510DB2}">
-      <thm15:themeFamily xmlns:thm15="http://schemas.microsoft.com/office/thememl/2012/main" xmlns="" name="Office Theme" id="{62F939B6-93AF-4DB8-9C6B-D6C7DFDC589F}" vid="{4A3C46E8-61CC-4603-A589-7422A47A8E4A}"/>
+      <thm15:themeFamily xmlns="" xmlns:thm15="http://schemas.microsoft.com/office/thememl/2012/main" name="Office Theme" id="{62F939B6-93AF-4DB8-9C6B-D6C7DFDC589F}" vid="{4A3C46E8-61CC-4603-A589-7422A47A8E4A}"/>
     </a:ext>
   </a:extLst>
 </a:theme>
@@ -18915,7 +17768,7 @@
   <a:extraClrSchemeLst/>
   <a:extLst>
     <a:ext uri="{05A4C25C-085E-4340-85A3-A5531E510DB2}">
-      <thm15:themeFamily xmlns:thm15="http://schemas.microsoft.com/office/thememl/2012/main" xmlns="" name="Office Theme" id="{62F939B6-93AF-4DB8-9C6B-D6C7DFDC589F}" vid="{4A3C46E8-61CC-4603-A589-7422A47A8E4A}"/>
+      <thm15:themeFamily xmlns="" xmlns:thm15="http://schemas.microsoft.com/office/thememl/2012/main" name="Office Theme" id="{62F939B6-93AF-4DB8-9C6B-D6C7DFDC589F}" vid="{4A3C46E8-61CC-4603-A589-7422A47A8E4A}"/>
     </a:ext>
   </a:extLst>
 </a:theme>
